--- a/Presentations/Dx12Bindless/Bindless rendering Traverse Research.pptx
+++ b/Presentations/Dx12Bindless/Bindless rendering Traverse Research.pptx
@@ -271,7 +271,7 @@
   </p:defaultTextStyle>
   <p:extLst>
     <p:ext uri="http://customooxmlschemas.google.com/">
-      <go:slidesCustomData xmlns:go="http://customooxmlschemas.google.com/" r:id="rId26" roundtripDataSignature="AMtx7mhRpgu+KHDq0KSwShYC/n/buBi8Jg=="/>
+      <go:slidesCustomData xmlns:go="http://customooxmlschemas.google.com/" r:id="rId26" roundtripDataSignature="AMtx7mi6iLOvcATfHddFrTEcFCOo4LpVfQ=="/>
     </p:ext>
   </p:extLst>
 </p:presentation>
@@ -1607,7 +1607,7 @@
   <p:cSld>
     <p:spTree>
       <p:nvGrpSpPr>
-        <p:cNvPr id="201" name="Shape 201"/>
+        <p:cNvPr id="202" name="Shape 202"/>
         <p:cNvGrpSpPr/>
         <p:nvPr/>
       </p:nvGrpSpPr>
@@ -1621,7 +1621,7 @@
       </p:grpSpPr>
       <p:sp>
         <p:nvSpPr>
-          <p:cNvPr id="202" name="Google Shape;202;p2:notes"/>
+          <p:cNvPr id="203" name="Google Shape;203;p2:notes"/>
           <p:cNvSpPr txBox="1"/>
           <p:nvPr>
             <p:ph idx="1" type="body"/>
@@ -1660,7 +1660,7 @@
       </p:sp>
       <p:sp>
         <p:nvSpPr>
-          <p:cNvPr id="203" name="Google Shape;203;p2:notes"/>
+          <p:cNvPr id="204" name="Google Shape;204;p2:notes"/>
           <p:cNvSpPr/>
           <p:nvPr>
             <p:ph idx="2" type="sldImg"/>
@@ -1706,7 +1706,7 @@
   <p:cSld>
     <p:spTree>
       <p:nvGrpSpPr>
-        <p:cNvPr id="214" name="Shape 214"/>
+        <p:cNvPr id="215" name="Shape 215"/>
         <p:cNvGrpSpPr/>
         <p:nvPr/>
       </p:nvGrpSpPr>
@@ -1720,7 +1720,7 @@
       </p:grpSpPr>
       <p:sp>
         <p:nvSpPr>
-          <p:cNvPr id="215" name="Google Shape;215;ge12b0d960b_1_15:notes"/>
+          <p:cNvPr id="216" name="Google Shape;216;ge12b0d960b_1_15:notes"/>
           <p:cNvSpPr txBox="1"/>
           <p:nvPr>
             <p:ph idx="1" type="body"/>
@@ -1759,7 +1759,7 @@
       </p:sp>
       <p:sp>
         <p:nvSpPr>
-          <p:cNvPr id="216" name="Google Shape;216;ge12b0d960b_1_15:notes"/>
+          <p:cNvPr id="217" name="Google Shape;217;ge12b0d960b_1_15:notes"/>
           <p:cNvSpPr/>
           <p:nvPr>
             <p:ph idx="2" type="sldImg"/>
@@ -1805,7 +1805,7 @@
   <p:cSld>
     <p:spTree>
       <p:nvGrpSpPr>
-        <p:cNvPr id="239" name="Shape 239"/>
+        <p:cNvPr id="240" name="Shape 240"/>
         <p:cNvGrpSpPr/>
         <p:nvPr/>
       </p:nvGrpSpPr>
@@ -1819,7 +1819,7 @@
       </p:grpSpPr>
       <p:sp>
         <p:nvSpPr>
-          <p:cNvPr id="240" name="Google Shape;240;ge12b0d960b_11_23:notes"/>
+          <p:cNvPr id="241" name="Google Shape;241;ge12b0d960b_11_23:notes"/>
           <p:cNvSpPr txBox="1"/>
           <p:nvPr>
             <p:ph idx="1" type="body"/>
@@ -1858,7 +1858,7 @@
       </p:sp>
       <p:sp>
         <p:nvSpPr>
-          <p:cNvPr id="241" name="Google Shape;241;ge12b0d960b_11_23:notes"/>
+          <p:cNvPr id="242" name="Google Shape;242;ge12b0d960b_11_23:notes"/>
           <p:cNvSpPr/>
           <p:nvPr>
             <p:ph idx="2" type="sldImg"/>
@@ -1904,7 +1904,7 @@
   <p:cSld>
     <p:spTree>
       <p:nvGrpSpPr>
-        <p:cNvPr id="265" name="Shape 265"/>
+        <p:cNvPr id="266" name="Shape 266"/>
         <p:cNvGrpSpPr/>
         <p:nvPr/>
       </p:nvGrpSpPr>
@@ -1918,7 +1918,7 @@
       </p:grpSpPr>
       <p:sp>
         <p:nvSpPr>
-          <p:cNvPr id="266" name="Google Shape;266;gb6f543b3e9_0_0:notes"/>
+          <p:cNvPr id="267" name="Google Shape;267;gb6f543b3e9_0_0:notes"/>
           <p:cNvSpPr txBox="1"/>
           <p:nvPr>
             <p:ph idx="1" type="body"/>
@@ -1957,7 +1957,7 @@
       </p:sp>
       <p:sp>
         <p:nvSpPr>
-          <p:cNvPr id="267" name="Google Shape;267;gb6f543b3e9_0_0:notes"/>
+          <p:cNvPr id="268" name="Google Shape;268;gb6f543b3e9_0_0:notes"/>
           <p:cNvSpPr/>
           <p:nvPr>
             <p:ph idx="2" type="sldImg"/>
@@ -2003,7 +2003,7 @@
   <p:cSld>
     <p:spTree>
       <p:nvGrpSpPr>
-        <p:cNvPr id="291" name="Shape 291"/>
+        <p:cNvPr id="292" name="Shape 292"/>
         <p:cNvGrpSpPr/>
         <p:nvPr/>
       </p:nvGrpSpPr>
@@ -2017,7 +2017,7 @@
       </p:grpSpPr>
       <p:sp>
         <p:nvSpPr>
-          <p:cNvPr id="292" name="Google Shape;292;p8:notes"/>
+          <p:cNvPr id="293" name="Google Shape;293;p8:notes"/>
           <p:cNvSpPr txBox="1"/>
           <p:nvPr>
             <p:ph idx="1" type="body"/>
@@ -2056,7 +2056,7 @@
       </p:sp>
       <p:sp>
         <p:nvSpPr>
-          <p:cNvPr id="293" name="Google Shape;293;p8:notes"/>
+          <p:cNvPr id="294" name="Google Shape;294;p8:notes"/>
           <p:cNvSpPr/>
           <p:nvPr>
             <p:ph idx="2" type="sldImg"/>
@@ -2102,7 +2102,7 @@
   <p:cSld>
     <p:spTree>
       <p:nvGrpSpPr>
-        <p:cNvPr id="304" name="Shape 304"/>
+        <p:cNvPr id="305" name="Shape 305"/>
         <p:cNvGrpSpPr/>
         <p:nvPr/>
       </p:nvGrpSpPr>
@@ -2116,7 +2116,7 @@
       </p:grpSpPr>
       <p:sp>
         <p:nvSpPr>
-          <p:cNvPr id="305" name="Google Shape;305;ge12b0d960b_13_13:notes"/>
+          <p:cNvPr id="306" name="Google Shape;306;ge12b0d960b_13_13:notes"/>
           <p:cNvSpPr txBox="1"/>
           <p:nvPr>
             <p:ph idx="1" type="body"/>
@@ -2155,7 +2155,7 @@
       </p:sp>
       <p:sp>
         <p:nvSpPr>
-          <p:cNvPr id="306" name="Google Shape;306;ge12b0d960b_13_13:notes"/>
+          <p:cNvPr id="307" name="Google Shape;307;ge12b0d960b_13_13:notes"/>
           <p:cNvSpPr/>
           <p:nvPr>
             <p:ph idx="2" type="sldImg"/>
@@ -2201,7 +2201,7 @@
   <p:cSld>
     <p:spTree>
       <p:nvGrpSpPr>
-        <p:cNvPr id="316" name="Shape 316"/>
+        <p:cNvPr id="317" name="Shape 317"/>
         <p:cNvGrpSpPr/>
         <p:nvPr/>
       </p:nvGrpSpPr>
@@ -2215,7 +2215,7 @@
       </p:grpSpPr>
       <p:sp>
         <p:nvSpPr>
-          <p:cNvPr id="317" name="Google Shape;317;p13:notes"/>
+          <p:cNvPr id="318" name="Google Shape;318;p13:notes"/>
           <p:cNvSpPr txBox="1"/>
           <p:nvPr>
             <p:ph idx="1" type="body"/>
@@ -2254,7 +2254,7 @@
       </p:sp>
       <p:sp>
         <p:nvSpPr>
-          <p:cNvPr id="318" name="Google Shape;318;p13:notes"/>
+          <p:cNvPr id="319" name="Google Shape;319;p13:notes"/>
           <p:cNvSpPr/>
           <p:nvPr>
             <p:ph idx="2" type="sldImg"/>
@@ -2300,7 +2300,7 @@
   <p:cSld>
     <p:spTree>
       <p:nvGrpSpPr>
-        <p:cNvPr id="50" name="Shape 50"/>
+        <p:cNvPr id="51" name="Shape 51"/>
         <p:cNvGrpSpPr/>
         <p:nvPr/>
       </p:nvGrpSpPr>
@@ -2314,7 +2314,7 @@
       </p:grpSpPr>
       <p:sp>
         <p:nvSpPr>
-          <p:cNvPr id="51" name="Google Shape;51;p4:notes"/>
+          <p:cNvPr id="52" name="Google Shape;52;p4:notes"/>
           <p:cNvSpPr txBox="1"/>
           <p:nvPr>
             <p:ph idx="1" type="body"/>
@@ -2353,7 +2353,7 @@
       </p:sp>
       <p:sp>
         <p:nvSpPr>
-          <p:cNvPr id="52" name="Google Shape;52;p4:notes"/>
+          <p:cNvPr id="53" name="Google Shape;53;p4:notes"/>
           <p:cNvSpPr/>
           <p:nvPr>
             <p:ph idx="2" type="sldImg"/>
@@ -2399,7 +2399,7 @@
   <p:cSld>
     <p:spTree>
       <p:nvGrpSpPr>
-        <p:cNvPr id="79" name="Shape 79"/>
+        <p:cNvPr id="80" name="Shape 80"/>
         <p:cNvGrpSpPr/>
         <p:nvPr/>
       </p:nvGrpSpPr>
@@ -2413,7 +2413,7 @@
       </p:grpSpPr>
       <p:sp>
         <p:nvSpPr>
-          <p:cNvPr id="80" name="Google Shape;80;p3:notes"/>
+          <p:cNvPr id="81" name="Google Shape;81;p3:notes"/>
           <p:cNvSpPr txBox="1"/>
           <p:nvPr>
             <p:ph idx="1" type="body"/>
@@ -2452,7 +2452,7 @@
       </p:sp>
       <p:sp>
         <p:nvSpPr>
-          <p:cNvPr id="81" name="Google Shape;81;p3:notes"/>
+          <p:cNvPr id="82" name="Google Shape;82;p3:notes"/>
           <p:cNvSpPr/>
           <p:nvPr>
             <p:ph idx="2" type="sldImg"/>
@@ -2498,7 +2498,7 @@
   <p:cSld>
     <p:spTree>
       <p:nvGrpSpPr>
-        <p:cNvPr id="107" name="Shape 107"/>
+        <p:cNvPr id="108" name="Shape 108"/>
         <p:cNvGrpSpPr/>
         <p:nvPr/>
       </p:nvGrpSpPr>
@@ -2512,7 +2512,7 @@
       </p:grpSpPr>
       <p:sp>
         <p:nvSpPr>
-          <p:cNvPr id="108" name="Google Shape;108;p9:notes"/>
+          <p:cNvPr id="109" name="Google Shape;109;p9:notes"/>
           <p:cNvSpPr/>
           <p:nvPr>
             <p:ph idx="2" type="sldImg"/>
@@ -2557,7 +2557,7 @@
       </p:sp>
       <p:sp>
         <p:nvSpPr>
-          <p:cNvPr id="109" name="Google Shape;109;p9:notes"/>
+          <p:cNvPr id="110" name="Google Shape;110;p9:notes"/>
           <p:cNvSpPr txBox="1"/>
           <p:nvPr>
             <p:ph idx="1" type="body"/>
@@ -2719,7 +2719,7 @@
       </p:sp>
       <p:sp>
         <p:nvSpPr>
-          <p:cNvPr id="110" name="Google Shape;110;p9:notes"/>
+          <p:cNvPr id="111" name="Google Shape;111;p9:notes"/>
           <p:cNvSpPr txBox="1"/>
           <p:nvPr>
             <p:ph idx="12" type="sldNum"/>
@@ -2774,7 +2774,7 @@
   <p:cSld>
     <p:spTree>
       <p:nvGrpSpPr>
-        <p:cNvPr id="127" name="Shape 127"/>
+        <p:cNvPr id="128" name="Shape 128"/>
         <p:cNvGrpSpPr/>
         <p:nvPr/>
       </p:nvGrpSpPr>
@@ -2788,7 +2788,7 @@
       </p:grpSpPr>
       <p:sp>
         <p:nvSpPr>
-          <p:cNvPr id="128" name="Google Shape;128;ge12b0d960b_3_4:notes"/>
+          <p:cNvPr id="129" name="Google Shape;129;ge12b0d960b_3_4:notes"/>
           <p:cNvSpPr txBox="1"/>
           <p:nvPr>
             <p:ph idx="1" type="body"/>
@@ -2827,7 +2827,7 @@
       </p:sp>
       <p:sp>
         <p:nvSpPr>
-          <p:cNvPr id="129" name="Google Shape;129;ge12b0d960b_3_4:notes"/>
+          <p:cNvPr id="130" name="Google Shape;130;ge12b0d960b_3_4:notes"/>
           <p:cNvSpPr/>
           <p:nvPr>
             <p:ph idx="2" type="sldImg"/>
@@ -2873,7 +2873,7 @@
   <p:cSld>
     <p:spTree>
       <p:nvGrpSpPr>
-        <p:cNvPr id="141" name="Shape 141"/>
+        <p:cNvPr id="142" name="Shape 142"/>
         <p:cNvGrpSpPr/>
         <p:nvPr/>
       </p:nvGrpSpPr>
@@ -2887,7 +2887,7 @@
       </p:grpSpPr>
       <p:sp>
         <p:nvSpPr>
-          <p:cNvPr id="142" name="Google Shape;142;ge12b0d960b_0_137:notes"/>
+          <p:cNvPr id="143" name="Google Shape;143;ge12b0d960b_0_137:notes"/>
           <p:cNvSpPr txBox="1"/>
           <p:nvPr>
             <p:ph idx="1" type="body"/>
@@ -2926,7 +2926,7 @@
       </p:sp>
       <p:sp>
         <p:nvSpPr>
-          <p:cNvPr id="143" name="Google Shape;143;ge12b0d960b_0_137:notes"/>
+          <p:cNvPr id="144" name="Google Shape;144;ge12b0d960b_0_137:notes"/>
           <p:cNvSpPr/>
           <p:nvPr>
             <p:ph idx="2" type="sldImg"/>
@@ -2972,7 +2972,7 @@
   <p:cSld>
     <p:spTree>
       <p:nvGrpSpPr>
-        <p:cNvPr id="157" name="Shape 157"/>
+        <p:cNvPr id="158" name="Shape 158"/>
         <p:cNvGrpSpPr/>
         <p:nvPr/>
       </p:nvGrpSpPr>
@@ -2986,7 +2986,7 @@
       </p:grpSpPr>
       <p:sp>
         <p:nvSpPr>
-          <p:cNvPr id="158" name="Google Shape;158;p5:notes"/>
+          <p:cNvPr id="159" name="Google Shape;159;p5:notes"/>
           <p:cNvSpPr txBox="1"/>
           <p:nvPr>
             <p:ph idx="1" type="body"/>
@@ -3025,7 +3025,7 @@
       </p:sp>
       <p:sp>
         <p:nvSpPr>
-          <p:cNvPr id="159" name="Google Shape;159;p5:notes"/>
+          <p:cNvPr id="160" name="Google Shape;160;p5:notes"/>
           <p:cNvSpPr/>
           <p:nvPr>
             <p:ph idx="2" type="sldImg"/>
@@ -3071,7 +3071,7 @@
   <p:cSld>
     <p:spTree>
       <p:nvGrpSpPr>
-        <p:cNvPr id="173" name="Shape 173"/>
+        <p:cNvPr id="174" name="Shape 174"/>
         <p:cNvGrpSpPr/>
         <p:nvPr/>
       </p:nvGrpSpPr>
@@ -3085,7 +3085,7 @@
       </p:grpSpPr>
       <p:sp>
         <p:nvSpPr>
-          <p:cNvPr id="174" name="Google Shape;174;ge12b0d960b_9_0:notes"/>
+          <p:cNvPr id="175" name="Google Shape;175;ge12b0d960b_9_0:notes"/>
           <p:cNvSpPr txBox="1"/>
           <p:nvPr>
             <p:ph idx="1" type="body"/>
@@ -3124,7 +3124,7 @@
       </p:sp>
       <p:sp>
         <p:nvSpPr>
-          <p:cNvPr id="175" name="Google Shape;175;ge12b0d960b_9_0:notes"/>
+          <p:cNvPr id="176" name="Google Shape;176;ge12b0d960b_9_0:notes"/>
           <p:cNvSpPr/>
           <p:nvPr>
             <p:ph idx="2" type="sldImg"/>
@@ -3170,7 +3170,7 @@
   <p:cSld>
     <p:spTree>
       <p:nvGrpSpPr>
-        <p:cNvPr id="187" name="Shape 187"/>
+        <p:cNvPr id="188" name="Shape 188"/>
         <p:cNvGrpSpPr/>
         <p:nvPr/>
       </p:nvGrpSpPr>
@@ -3184,7 +3184,7 @@
       </p:grpSpPr>
       <p:sp>
         <p:nvSpPr>
-          <p:cNvPr id="188" name="Google Shape;188;ge12b0d960b_11_0:notes"/>
+          <p:cNvPr id="189" name="Google Shape;189;ge12b0d960b_11_0:notes"/>
           <p:cNvSpPr txBox="1"/>
           <p:nvPr>
             <p:ph idx="1" type="body"/>
@@ -3223,7 +3223,7 @@
       </p:sp>
       <p:sp>
         <p:nvSpPr>
-          <p:cNvPr id="189" name="Google Shape;189;ge12b0d960b_11_0:notes"/>
+          <p:cNvPr id="190" name="Google Shape;190;ge12b0d960b_11_0:notes"/>
           <p:cNvSpPr/>
           <p:nvPr>
             <p:ph idx="2" type="sldImg"/>
@@ -8392,6 +8392,64 @@
           </a:ln>
         </p:spPr>
       </p:pic>
+      <p:sp>
+        <p:nvSpPr>
+          <p:cNvPr id="50" name="Google Shape;50;p1"/>
+          <p:cNvSpPr txBox="1"/>
+          <p:nvPr/>
+        </p:nvSpPr>
+        <p:spPr>
+          <a:xfrm>
+            <a:off x="519027" y="6199550"/>
+            <a:ext cx="3573900" cy="246300"/>
+          </a:xfrm>
+          <a:prstGeom prst="rect">
+            <a:avLst/>
+          </a:prstGeom>
+          <a:noFill/>
+          <a:ln>
+            <a:noFill/>
+          </a:ln>
+        </p:spPr>
+        <p:txBody>
+          <a:bodyPr anchorCtr="0" anchor="t" bIns="45700" lIns="91425" spcFirstLastPara="1" rIns="91425" wrap="square" tIns="45700">
+            <a:spAutoFit/>
+          </a:bodyPr>
+          <a:lstStyle/>
+          <a:p>
+            <a:pPr indent="0" lvl="0" marL="0" marR="0" rtl="0" algn="l">
+              <a:spcBef>
+                <a:spcPts val="0"/>
+              </a:spcBef>
+              <a:spcAft>
+                <a:spcPts val="0"/>
+              </a:spcAft>
+              <a:buNone/>
+            </a:pPr>
+            <a:r>
+              <a:rPr lang="en-US" sz="1000">
+                <a:solidFill>
+                  <a:schemeClr val="dk1"/>
+                </a:solidFill>
+                <a:latin typeface="Raleway"/>
+                <a:ea typeface="Raleway"/>
+                <a:cs typeface="Raleway"/>
+                <a:sym typeface="Raleway"/>
+              </a:rPr>
+              <a:t>Darius Bouma - Rendering Engineer at Traverse Research</a:t>
+            </a:r>
+            <a:endParaRPr sz="1000">
+              <a:solidFill>
+                <a:schemeClr val="dk1"/>
+              </a:solidFill>
+              <a:latin typeface="Raleway"/>
+              <a:ea typeface="Raleway"/>
+              <a:cs typeface="Raleway"/>
+              <a:sym typeface="Raleway"/>
+            </a:endParaRPr>
+          </a:p>
+        </p:txBody>
+      </p:sp>
     </p:spTree>
   </p:cSld>
   <p:clrMapOvr>
@@ -8405,7 +8463,7 @@
   <p:cSld>
     <p:spTree>
       <p:nvGrpSpPr>
-        <p:cNvPr id="204" name="Shape 204"/>
+        <p:cNvPr id="205" name="Shape 205"/>
         <p:cNvGrpSpPr/>
         <p:nvPr/>
       </p:nvGrpSpPr>
@@ -8419,7 +8477,7 @@
       </p:grpSpPr>
       <p:sp>
         <p:nvSpPr>
-          <p:cNvPr id="205" name="Google Shape;205;p2"/>
+          <p:cNvPr id="206" name="Google Shape;206;p2"/>
           <p:cNvSpPr/>
           <p:nvPr/>
         </p:nvSpPr>
@@ -8476,7 +8534,7 @@
       </p:sp>
       <p:sp>
         <p:nvSpPr>
-          <p:cNvPr id="206" name="Google Shape;206;p2"/>
+          <p:cNvPr id="207" name="Google Shape;207;p2"/>
           <p:cNvSpPr/>
           <p:nvPr/>
         </p:nvSpPr>
@@ -8533,7 +8591,7 @@
       </p:sp>
       <p:sp>
         <p:nvSpPr>
-          <p:cNvPr id="207" name="Google Shape;207;p2"/>
+          <p:cNvPr id="208" name="Google Shape;208;p2"/>
           <p:cNvSpPr/>
           <p:nvPr/>
         </p:nvSpPr>
@@ -8595,7 +8653,7 @@
       </p:sp>
       <p:sp>
         <p:nvSpPr>
-          <p:cNvPr id="208" name="Google Shape;208;p2"/>
+          <p:cNvPr id="209" name="Google Shape;209;p2"/>
           <p:cNvSpPr txBox="1"/>
           <p:nvPr/>
         </p:nvSpPr>
@@ -8922,7 +8980,7 @@
       </p:sp>
       <p:pic>
         <p:nvPicPr>
-          <p:cNvPr id="209" name="Google Shape;209;p2"/>
+          <p:cNvPr id="210" name="Google Shape;210;p2"/>
           <p:cNvPicPr preferRelativeResize="0"/>
           <p:nvPr/>
         </p:nvPicPr>
@@ -8949,7 +9007,7 @@
       </p:pic>
       <p:pic>
         <p:nvPicPr>
-          <p:cNvPr id="210" name="Google Shape;210;p2"/>
+          <p:cNvPr id="211" name="Google Shape;211;p2"/>
           <p:cNvPicPr preferRelativeResize="0"/>
           <p:nvPr/>
         </p:nvPicPr>
@@ -8984,7 +9042,7 @@
       </p:pic>
       <p:pic>
         <p:nvPicPr>
-          <p:cNvPr id="211" name="Google Shape;211;p2"/>
+          <p:cNvPr id="212" name="Google Shape;212;p2"/>
           <p:cNvPicPr preferRelativeResize="0"/>
           <p:nvPr/>
         </p:nvPicPr>
@@ -9019,7 +9077,7 @@
       </p:pic>
       <p:pic>
         <p:nvPicPr>
-          <p:cNvPr id="212" name="Google Shape;212;p2"/>
+          <p:cNvPr id="213" name="Google Shape;213;p2"/>
           <p:cNvPicPr preferRelativeResize="0"/>
           <p:nvPr/>
         </p:nvPicPr>
@@ -9054,7 +9112,7 @@
       </p:pic>
       <p:sp>
         <p:nvSpPr>
-          <p:cNvPr id="213" name="Google Shape;213;p2"/>
+          <p:cNvPr id="214" name="Google Shape;214;p2"/>
           <p:cNvSpPr/>
           <p:nvPr/>
         </p:nvSpPr>
@@ -9115,7 +9173,7 @@
   <p:cSld>
     <p:spTree>
       <p:nvGrpSpPr>
-        <p:cNvPr id="217" name="Shape 217"/>
+        <p:cNvPr id="218" name="Shape 218"/>
         <p:cNvGrpSpPr/>
         <p:nvPr/>
       </p:nvGrpSpPr>
@@ -9129,7 +9187,7 @@
       </p:grpSpPr>
       <p:sp>
         <p:nvSpPr>
-          <p:cNvPr id="218" name="Google Shape;218;ge12b0d960b_1_15"/>
+          <p:cNvPr id="219" name="Google Shape;219;ge12b0d960b_1_15"/>
           <p:cNvSpPr/>
           <p:nvPr/>
         </p:nvSpPr>
@@ -9544,7 +9602,7 @@
       </p:sp>
       <p:grpSp>
         <p:nvGrpSpPr>
-          <p:cNvPr id="219" name="Google Shape;219;ge12b0d960b_1_15"/>
+          <p:cNvPr id="220" name="Google Shape;220;ge12b0d960b_1_15"/>
           <p:cNvGrpSpPr/>
           <p:nvPr/>
         </p:nvGrpSpPr>
@@ -9558,7 +9616,7 @@
         </p:grpSpPr>
         <p:sp>
           <p:nvSpPr>
-            <p:cNvPr id="220" name="Google Shape;220;ge12b0d960b_1_15"/>
+            <p:cNvPr id="221" name="Google Shape;221;ge12b0d960b_1_15"/>
             <p:cNvSpPr/>
             <p:nvPr/>
           </p:nvSpPr>
@@ -9632,7 +9690,7 @@
         </p:sp>
         <p:sp>
           <p:nvSpPr>
-            <p:cNvPr id="221" name="Google Shape;221;ge12b0d960b_1_15"/>
+            <p:cNvPr id="222" name="Google Shape;222;ge12b0d960b_1_15"/>
             <p:cNvSpPr/>
             <p:nvPr/>
           </p:nvSpPr>
@@ -9683,7 +9741,7 @@
       </p:grpSp>
       <p:sp>
         <p:nvSpPr>
-          <p:cNvPr id="222" name="Google Shape;222;ge12b0d960b_1_15"/>
+          <p:cNvPr id="223" name="Google Shape;223;ge12b0d960b_1_15"/>
           <p:cNvSpPr/>
           <p:nvPr/>
         </p:nvSpPr>
@@ -9738,7 +9796,7 @@
       </p:sp>
       <p:sp>
         <p:nvSpPr>
-          <p:cNvPr id="223" name="Google Shape;223;ge12b0d960b_1_15"/>
+          <p:cNvPr id="224" name="Google Shape;224;ge12b0d960b_1_15"/>
           <p:cNvSpPr/>
           <p:nvPr/>
         </p:nvSpPr>
@@ -9793,7 +9851,7 @@
       </p:sp>
       <p:sp>
         <p:nvSpPr>
-          <p:cNvPr id="224" name="Google Shape;224;ge12b0d960b_1_15"/>
+          <p:cNvPr id="225" name="Google Shape;225;ge12b0d960b_1_15"/>
           <p:cNvSpPr txBox="1"/>
           <p:nvPr/>
         </p:nvSpPr>
@@ -9851,7 +9909,7 @@
       </p:sp>
       <p:sp>
         <p:nvSpPr>
-          <p:cNvPr id="225" name="Google Shape;225;ge12b0d960b_1_15"/>
+          <p:cNvPr id="226" name="Google Shape;226;ge12b0d960b_1_15"/>
           <p:cNvSpPr txBox="1"/>
           <p:nvPr/>
         </p:nvSpPr>
@@ -9909,7 +9967,7 @@
       </p:sp>
       <p:sp>
         <p:nvSpPr>
-          <p:cNvPr id="226" name="Google Shape;226;ge12b0d960b_1_15"/>
+          <p:cNvPr id="227" name="Google Shape;227;ge12b0d960b_1_15"/>
           <p:cNvSpPr txBox="1"/>
           <p:nvPr/>
         </p:nvSpPr>
@@ -9972,7 +10030,7 @@
       </p:sp>
       <p:sp>
         <p:nvSpPr>
-          <p:cNvPr id="227" name="Google Shape;227;ge12b0d960b_1_15"/>
+          <p:cNvPr id="228" name="Google Shape;228;ge12b0d960b_1_15"/>
           <p:cNvSpPr txBox="1"/>
           <p:nvPr/>
         </p:nvSpPr>
@@ -10030,7 +10088,7 @@
       </p:sp>
       <p:sp>
         <p:nvSpPr>
-          <p:cNvPr id="228" name="Google Shape;228;ge12b0d960b_1_15"/>
+          <p:cNvPr id="229" name="Google Shape;229;ge12b0d960b_1_15"/>
           <p:cNvSpPr/>
           <p:nvPr/>
         </p:nvSpPr>
@@ -10083,7 +10141,7 @@
       </p:sp>
       <p:grpSp>
         <p:nvGrpSpPr>
-          <p:cNvPr id="229" name="Google Shape;229;ge12b0d960b_1_15"/>
+          <p:cNvPr id="230" name="Google Shape;230;ge12b0d960b_1_15"/>
           <p:cNvGrpSpPr/>
           <p:nvPr/>
         </p:nvGrpSpPr>
@@ -10097,7 +10155,7 @@
         </p:grpSpPr>
         <p:sp>
           <p:nvSpPr>
-            <p:cNvPr id="230" name="Google Shape;230;ge12b0d960b_1_15"/>
+            <p:cNvPr id="231" name="Google Shape;231;ge12b0d960b_1_15"/>
             <p:cNvSpPr/>
             <p:nvPr/>
           </p:nvSpPr>
@@ -10151,7 +10209,7 @@
         </p:sp>
         <p:sp>
           <p:nvSpPr>
-            <p:cNvPr id="231" name="Google Shape;231;ge12b0d960b_1_15"/>
+            <p:cNvPr id="232" name="Google Shape;232;ge12b0d960b_1_15"/>
             <p:cNvSpPr/>
             <p:nvPr/>
           </p:nvSpPr>
@@ -10206,7 +10264,7 @@
       </p:grpSp>
       <p:sp>
         <p:nvSpPr>
-          <p:cNvPr id="232" name="Google Shape;232;ge12b0d960b_1_15"/>
+          <p:cNvPr id="233" name="Google Shape;233;ge12b0d960b_1_15"/>
           <p:cNvSpPr txBox="1"/>
           <p:nvPr/>
         </p:nvSpPr>
@@ -10268,7 +10326,7 @@
       </p:sp>
       <p:pic>
         <p:nvPicPr>
-          <p:cNvPr id="233" name="Google Shape;233;ge12b0d960b_1_15"/>
+          <p:cNvPr id="234" name="Google Shape;234;ge12b0d960b_1_15"/>
           <p:cNvPicPr preferRelativeResize="0"/>
           <p:nvPr/>
         </p:nvPicPr>
@@ -10303,7 +10361,7 @@
       </p:pic>
       <p:sp>
         <p:nvSpPr>
-          <p:cNvPr id="234" name="Google Shape;234;ge12b0d960b_1_15"/>
+          <p:cNvPr id="235" name="Google Shape;235;ge12b0d960b_1_15"/>
           <p:cNvSpPr/>
           <p:nvPr/>
         </p:nvSpPr>
@@ -10358,7 +10416,7 @@
       </p:sp>
       <p:sp>
         <p:nvSpPr>
-          <p:cNvPr id="235" name="Google Shape;235;ge12b0d960b_1_15"/>
+          <p:cNvPr id="236" name="Google Shape;236;ge12b0d960b_1_15"/>
           <p:cNvSpPr txBox="1"/>
           <p:nvPr/>
         </p:nvSpPr>
@@ -10416,7 +10474,7 @@
       </p:sp>
       <p:sp>
         <p:nvSpPr>
-          <p:cNvPr id="236" name="Google Shape;236;ge12b0d960b_1_15"/>
+          <p:cNvPr id="237" name="Google Shape;237;ge12b0d960b_1_15"/>
           <p:cNvSpPr txBox="1"/>
           <p:nvPr/>
         </p:nvSpPr>
@@ -10474,7 +10532,7 @@
       </p:sp>
       <p:pic>
         <p:nvPicPr>
-          <p:cNvPr id="237" name="Google Shape;237;ge12b0d960b_1_15"/>
+          <p:cNvPr id="238" name="Google Shape;238;ge12b0d960b_1_15"/>
           <p:cNvPicPr preferRelativeResize="0"/>
           <p:nvPr/>
         </p:nvPicPr>
@@ -10502,7 +10560,7 @@
       </p:pic>
       <p:sp>
         <p:nvSpPr>
-          <p:cNvPr id="238" name="Google Shape;238;ge12b0d960b_1_15"/>
+          <p:cNvPr id="239" name="Google Shape;239;ge12b0d960b_1_15"/>
           <p:cNvSpPr/>
           <p:nvPr/>
         </p:nvSpPr>
@@ -10566,7 +10624,7 @@
   <p:cSld>
     <p:spTree>
       <p:nvGrpSpPr>
-        <p:cNvPr id="242" name="Shape 242"/>
+        <p:cNvPr id="243" name="Shape 243"/>
         <p:cNvGrpSpPr/>
         <p:nvPr/>
       </p:nvGrpSpPr>
@@ -10580,7 +10638,7 @@
       </p:grpSpPr>
       <p:sp>
         <p:nvSpPr>
-          <p:cNvPr id="243" name="Google Shape;243;ge12b0d960b_11_23"/>
+          <p:cNvPr id="244" name="Google Shape;244;ge12b0d960b_11_23"/>
           <p:cNvSpPr/>
           <p:nvPr/>
         </p:nvSpPr>
@@ -10633,7 +10691,7 @@
       </p:sp>
       <p:grpSp>
         <p:nvGrpSpPr>
-          <p:cNvPr id="244" name="Google Shape;244;ge12b0d960b_11_23"/>
+          <p:cNvPr id="245" name="Google Shape;245;ge12b0d960b_11_23"/>
           <p:cNvGrpSpPr/>
           <p:nvPr/>
         </p:nvGrpSpPr>
@@ -10647,7 +10705,7 @@
         </p:grpSpPr>
         <p:sp>
           <p:nvSpPr>
-            <p:cNvPr id="245" name="Google Shape;245;ge12b0d960b_11_23"/>
+            <p:cNvPr id="246" name="Google Shape;246;ge12b0d960b_11_23"/>
             <p:cNvSpPr/>
             <p:nvPr/>
           </p:nvSpPr>
@@ -10701,7 +10759,7 @@
         </p:sp>
         <p:sp>
           <p:nvSpPr>
-            <p:cNvPr id="246" name="Google Shape;246;ge12b0d960b_11_23"/>
+            <p:cNvPr id="247" name="Google Shape;247;ge12b0d960b_11_23"/>
             <p:cNvSpPr/>
             <p:nvPr/>
           </p:nvSpPr>
@@ -10756,7 +10814,7 @@
       </p:grpSp>
       <p:sp>
         <p:nvSpPr>
-          <p:cNvPr id="247" name="Google Shape;247;ge12b0d960b_11_23"/>
+          <p:cNvPr id="248" name="Google Shape;248;ge12b0d960b_11_23"/>
           <p:cNvSpPr txBox="1"/>
           <p:nvPr/>
         </p:nvSpPr>
@@ -10818,7 +10876,7 @@
       </p:sp>
       <p:grpSp>
         <p:nvGrpSpPr>
-          <p:cNvPr id="248" name="Google Shape;248;ge12b0d960b_11_23"/>
+          <p:cNvPr id="249" name="Google Shape;249;ge12b0d960b_11_23"/>
           <p:cNvGrpSpPr/>
           <p:nvPr/>
         </p:nvGrpSpPr>
@@ -10832,7 +10890,7 @@
         </p:grpSpPr>
         <p:sp>
           <p:nvSpPr>
-            <p:cNvPr id="249" name="Google Shape;249;ge12b0d960b_11_23"/>
+            <p:cNvPr id="250" name="Google Shape;250;ge12b0d960b_11_23"/>
             <p:cNvSpPr/>
             <p:nvPr/>
           </p:nvSpPr>
@@ -10910,7 +10968,7 @@
         </p:sp>
         <p:sp>
           <p:nvSpPr>
-            <p:cNvPr id="250" name="Google Shape;250;ge12b0d960b_11_23"/>
+            <p:cNvPr id="251" name="Google Shape;251;ge12b0d960b_11_23"/>
             <p:cNvSpPr/>
             <p:nvPr/>
           </p:nvSpPr>
@@ -10961,7 +11019,7 @@
       </p:grpSp>
       <p:sp>
         <p:nvSpPr>
-          <p:cNvPr id="251" name="Google Shape;251;ge12b0d960b_11_23"/>
+          <p:cNvPr id="252" name="Google Shape;252;ge12b0d960b_11_23"/>
           <p:cNvSpPr/>
           <p:nvPr/>
         </p:nvSpPr>
@@ -11016,7 +11074,7 @@
       </p:sp>
       <p:sp>
         <p:nvSpPr>
-          <p:cNvPr id="252" name="Google Shape;252;ge12b0d960b_11_23"/>
+          <p:cNvPr id="253" name="Google Shape;253;ge12b0d960b_11_23"/>
           <p:cNvSpPr/>
           <p:nvPr/>
         </p:nvSpPr>
@@ -11071,7 +11129,7 @@
       </p:sp>
       <p:sp>
         <p:nvSpPr>
-          <p:cNvPr id="253" name="Google Shape;253;ge12b0d960b_11_23"/>
+          <p:cNvPr id="254" name="Google Shape;254;ge12b0d960b_11_23"/>
           <p:cNvSpPr/>
           <p:nvPr/>
         </p:nvSpPr>
@@ -11126,7 +11184,7 @@
       </p:sp>
       <p:sp>
         <p:nvSpPr>
-          <p:cNvPr id="254" name="Google Shape;254;ge12b0d960b_11_23"/>
+          <p:cNvPr id="255" name="Google Shape;255;ge12b0d960b_11_23"/>
           <p:cNvSpPr txBox="1"/>
           <p:nvPr/>
         </p:nvSpPr>
@@ -11184,7 +11242,7 @@
       </p:sp>
       <p:sp>
         <p:nvSpPr>
-          <p:cNvPr id="255" name="Google Shape;255;ge12b0d960b_11_23"/>
+          <p:cNvPr id="256" name="Google Shape;256;ge12b0d960b_11_23"/>
           <p:cNvSpPr txBox="1"/>
           <p:nvPr/>
         </p:nvSpPr>
@@ -11242,7 +11300,7 @@
       </p:sp>
       <p:sp>
         <p:nvSpPr>
-          <p:cNvPr id="256" name="Google Shape;256;ge12b0d960b_11_23"/>
+          <p:cNvPr id="257" name="Google Shape;257;ge12b0d960b_11_23"/>
           <p:cNvSpPr txBox="1"/>
           <p:nvPr/>
         </p:nvSpPr>
@@ -11300,7 +11358,7 @@
       </p:sp>
       <p:sp>
         <p:nvSpPr>
-          <p:cNvPr id="257" name="Google Shape;257;ge12b0d960b_11_23"/>
+          <p:cNvPr id="258" name="Google Shape;258;ge12b0d960b_11_23"/>
           <p:cNvSpPr txBox="1"/>
           <p:nvPr/>
         </p:nvSpPr>
@@ -11363,7 +11421,7 @@
       </p:sp>
       <p:sp>
         <p:nvSpPr>
-          <p:cNvPr id="258" name="Google Shape;258;ge12b0d960b_11_23"/>
+          <p:cNvPr id="259" name="Google Shape;259;ge12b0d960b_11_23"/>
           <p:cNvSpPr txBox="1"/>
           <p:nvPr/>
         </p:nvSpPr>
@@ -11433,7 +11491,7 @@
       </p:sp>
       <p:sp>
         <p:nvSpPr>
-          <p:cNvPr id="259" name="Google Shape;259;ge12b0d960b_11_23"/>
+          <p:cNvPr id="260" name="Google Shape;260;ge12b0d960b_11_23"/>
           <p:cNvSpPr txBox="1"/>
           <p:nvPr/>
         </p:nvSpPr>
@@ -11491,7 +11549,7 @@
       </p:sp>
       <p:pic>
         <p:nvPicPr>
-          <p:cNvPr id="260" name="Google Shape;260;ge12b0d960b_11_23"/>
+          <p:cNvPr id="261" name="Google Shape;261;ge12b0d960b_11_23"/>
           <p:cNvPicPr preferRelativeResize="0"/>
           <p:nvPr/>
         </p:nvPicPr>
@@ -11526,7 +11584,7 @@
       </p:pic>
       <p:pic>
         <p:nvPicPr>
-          <p:cNvPr id="261" name="Google Shape;261;ge12b0d960b_11_23"/>
+          <p:cNvPr id="262" name="Google Shape;262;ge12b0d960b_11_23"/>
           <p:cNvPicPr preferRelativeResize="0"/>
           <p:nvPr/>
         </p:nvPicPr>
@@ -11561,7 +11619,7 @@
       </p:pic>
       <p:pic>
         <p:nvPicPr>
-          <p:cNvPr id="262" name="Google Shape;262;ge12b0d960b_11_23"/>
+          <p:cNvPr id="263" name="Google Shape;263;ge12b0d960b_11_23"/>
           <p:cNvPicPr preferRelativeResize="0"/>
           <p:nvPr/>
         </p:nvPicPr>
@@ -11588,7 +11646,7 @@
       </p:pic>
       <p:sp>
         <p:nvSpPr>
-          <p:cNvPr id="263" name="Google Shape;263;ge12b0d960b_11_23"/>
+          <p:cNvPr id="264" name="Google Shape;264;ge12b0d960b_11_23"/>
           <p:cNvSpPr/>
           <p:nvPr/>
         </p:nvSpPr>
@@ -11641,7 +11699,7 @@
       </p:sp>
       <p:sp>
         <p:nvSpPr>
-          <p:cNvPr id="264" name="Google Shape;264;ge12b0d960b_11_23"/>
+          <p:cNvPr id="265" name="Google Shape;265;ge12b0d960b_11_23"/>
           <p:cNvSpPr/>
           <p:nvPr/>
         </p:nvSpPr>
@@ -11705,7 +11763,7 @@
   <p:cSld>
     <p:spTree>
       <p:nvGrpSpPr>
-        <p:cNvPr id="268" name="Shape 268"/>
+        <p:cNvPr id="269" name="Shape 269"/>
         <p:cNvGrpSpPr/>
         <p:nvPr/>
       </p:nvGrpSpPr>
@@ -11719,7 +11777,7 @@
       </p:grpSpPr>
       <p:sp>
         <p:nvSpPr>
-          <p:cNvPr id="269" name="Google Shape;269;gb6f543b3e9_0_0"/>
+          <p:cNvPr id="270" name="Google Shape;270;gb6f543b3e9_0_0"/>
           <p:cNvSpPr/>
           <p:nvPr/>
         </p:nvSpPr>
@@ -12134,7 +12192,7 @@
       </p:sp>
       <p:grpSp>
         <p:nvGrpSpPr>
-          <p:cNvPr id="270" name="Google Shape;270;gb6f543b3e9_0_0"/>
+          <p:cNvPr id="271" name="Google Shape;271;gb6f543b3e9_0_0"/>
           <p:cNvGrpSpPr/>
           <p:nvPr/>
         </p:nvGrpSpPr>
@@ -12148,7 +12206,7 @@
         </p:grpSpPr>
         <p:sp>
           <p:nvSpPr>
-            <p:cNvPr id="271" name="Google Shape;271;gb6f543b3e9_0_0"/>
+            <p:cNvPr id="272" name="Google Shape;272;gb6f543b3e9_0_0"/>
             <p:cNvSpPr/>
             <p:nvPr/>
           </p:nvSpPr>
@@ -12222,7 +12280,7 @@
         </p:sp>
         <p:sp>
           <p:nvSpPr>
-            <p:cNvPr id="272" name="Google Shape;272;gb6f543b3e9_0_0"/>
+            <p:cNvPr id="273" name="Google Shape;273;gb6f543b3e9_0_0"/>
             <p:cNvSpPr/>
             <p:nvPr/>
           </p:nvSpPr>
@@ -12273,7 +12331,7 @@
       </p:grpSp>
       <p:sp>
         <p:nvSpPr>
-          <p:cNvPr id="273" name="Google Shape;273;gb6f543b3e9_0_0"/>
+          <p:cNvPr id="274" name="Google Shape;274;gb6f543b3e9_0_0"/>
           <p:cNvSpPr/>
           <p:nvPr/>
         </p:nvSpPr>
@@ -12328,7 +12386,7 @@
       </p:sp>
       <p:sp>
         <p:nvSpPr>
-          <p:cNvPr id="274" name="Google Shape;274;gb6f543b3e9_0_0"/>
+          <p:cNvPr id="275" name="Google Shape;275;gb6f543b3e9_0_0"/>
           <p:cNvSpPr/>
           <p:nvPr/>
         </p:nvSpPr>
@@ -12383,7 +12441,7 @@
       </p:sp>
       <p:sp>
         <p:nvSpPr>
-          <p:cNvPr id="275" name="Google Shape;275;gb6f543b3e9_0_0"/>
+          <p:cNvPr id="276" name="Google Shape;276;gb6f543b3e9_0_0"/>
           <p:cNvSpPr txBox="1"/>
           <p:nvPr/>
         </p:nvSpPr>
@@ -12441,7 +12499,7 @@
       </p:sp>
       <p:sp>
         <p:nvSpPr>
-          <p:cNvPr id="276" name="Google Shape;276;gb6f543b3e9_0_0"/>
+          <p:cNvPr id="277" name="Google Shape;277;gb6f543b3e9_0_0"/>
           <p:cNvSpPr txBox="1"/>
           <p:nvPr/>
         </p:nvSpPr>
@@ -12499,7 +12557,7 @@
       </p:sp>
       <p:sp>
         <p:nvSpPr>
-          <p:cNvPr id="277" name="Google Shape;277;gb6f543b3e9_0_0"/>
+          <p:cNvPr id="278" name="Google Shape;278;gb6f543b3e9_0_0"/>
           <p:cNvSpPr txBox="1"/>
           <p:nvPr/>
         </p:nvSpPr>
@@ -12562,7 +12620,7 @@
       </p:sp>
       <p:sp>
         <p:nvSpPr>
-          <p:cNvPr id="278" name="Google Shape;278;gb6f543b3e9_0_0"/>
+          <p:cNvPr id="279" name="Google Shape;279;gb6f543b3e9_0_0"/>
           <p:cNvSpPr txBox="1"/>
           <p:nvPr/>
         </p:nvSpPr>
@@ -12620,7 +12678,7 @@
       </p:sp>
       <p:pic>
         <p:nvPicPr>
-          <p:cNvPr id="279" name="Google Shape;279;gb6f543b3e9_0_0"/>
+          <p:cNvPr id="280" name="Google Shape;280;gb6f543b3e9_0_0"/>
           <p:cNvPicPr preferRelativeResize="0"/>
           <p:nvPr/>
         </p:nvPicPr>
@@ -12655,7 +12713,7 @@
       </p:pic>
       <p:pic>
         <p:nvPicPr>
-          <p:cNvPr id="280" name="Google Shape;280;gb6f543b3e9_0_0"/>
+          <p:cNvPr id="281" name="Google Shape;281;gb6f543b3e9_0_0"/>
           <p:cNvPicPr preferRelativeResize="0"/>
           <p:nvPr/>
         </p:nvPicPr>
@@ -12690,7 +12748,7 @@
       </p:pic>
       <p:pic>
         <p:nvPicPr>
-          <p:cNvPr id="281" name="Google Shape;281;gb6f543b3e9_0_0"/>
+          <p:cNvPr id="282" name="Google Shape;282;gb6f543b3e9_0_0"/>
           <p:cNvPicPr preferRelativeResize="0"/>
           <p:nvPr/>
         </p:nvPicPr>
@@ -12725,7 +12783,7 @@
       </p:pic>
       <p:sp>
         <p:nvSpPr>
-          <p:cNvPr id="282" name="Google Shape;282;gb6f543b3e9_0_0"/>
+          <p:cNvPr id="283" name="Google Shape;283;gb6f543b3e9_0_0"/>
           <p:cNvSpPr/>
           <p:nvPr/>
         </p:nvSpPr>
@@ -12778,7 +12836,7 @@
       </p:sp>
       <p:sp>
         <p:nvSpPr>
-          <p:cNvPr id="283" name="Google Shape;283;gb6f543b3e9_0_0"/>
+          <p:cNvPr id="284" name="Google Shape;284;gb6f543b3e9_0_0"/>
           <p:cNvSpPr/>
           <p:nvPr/>
         </p:nvSpPr>
@@ -12831,7 +12889,7 @@
       </p:sp>
       <p:sp>
         <p:nvSpPr>
-          <p:cNvPr id="284" name="Google Shape;284;gb6f543b3e9_0_0"/>
+          <p:cNvPr id="285" name="Google Shape;285;gb6f543b3e9_0_0"/>
           <p:cNvSpPr/>
           <p:nvPr/>
         </p:nvSpPr>
@@ -12884,7 +12942,7 @@
       </p:sp>
       <p:sp>
         <p:nvSpPr>
-          <p:cNvPr id="285" name="Google Shape;285;gb6f543b3e9_0_0"/>
+          <p:cNvPr id="286" name="Google Shape;286;gb6f543b3e9_0_0"/>
           <p:cNvSpPr/>
           <p:nvPr/>
         </p:nvSpPr>
@@ -12937,7 +12995,7 @@
       </p:sp>
       <p:pic>
         <p:nvPicPr>
-          <p:cNvPr id="286" name="Google Shape;286;gb6f543b3e9_0_0"/>
+          <p:cNvPr id="287" name="Google Shape;287;gb6f543b3e9_0_0"/>
           <p:cNvPicPr preferRelativeResize="0"/>
           <p:nvPr/>
         </p:nvPicPr>
@@ -12972,7 +13030,7 @@
       </p:pic>
       <p:grpSp>
         <p:nvGrpSpPr>
-          <p:cNvPr id="287" name="Google Shape;287;gb6f543b3e9_0_0"/>
+          <p:cNvPr id="288" name="Google Shape;288;gb6f543b3e9_0_0"/>
           <p:cNvGrpSpPr/>
           <p:nvPr/>
         </p:nvGrpSpPr>
@@ -12986,7 +13044,7 @@
         </p:grpSpPr>
         <p:sp>
           <p:nvSpPr>
-            <p:cNvPr id="288" name="Google Shape;288;gb6f543b3e9_0_0"/>
+            <p:cNvPr id="289" name="Google Shape;289;gb6f543b3e9_0_0"/>
             <p:cNvSpPr/>
             <p:nvPr/>
           </p:nvSpPr>
@@ -13040,7 +13098,7 @@
         </p:sp>
         <p:sp>
           <p:nvSpPr>
-            <p:cNvPr id="289" name="Google Shape;289;gb6f543b3e9_0_0"/>
+            <p:cNvPr id="290" name="Google Shape;290;gb6f543b3e9_0_0"/>
             <p:cNvSpPr/>
             <p:nvPr/>
           </p:nvSpPr>
@@ -13095,7 +13153,7 @@
       </p:grpSp>
       <p:sp>
         <p:nvSpPr>
-          <p:cNvPr id="290" name="Google Shape;290;gb6f543b3e9_0_0"/>
+          <p:cNvPr id="291" name="Google Shape;291;gb6f543b3e9_0_0"/>
           <p:cNvSpPr txBox="1"/>
           <p:nvPr/>
         </p:nvSpPr>
@@ -13168,7 +13226,7 @@
   <p:cSld>
     <p:spTree>
       <p:nvGrpSpPr>
-        <p:cNvPr id="294" name="Shape 294"/>
+        <p:cNvPr id="295" name="Shape 295"/>
         <p:cNvGrpSpPr/>
         <p:nvPr/>
       </p:nvGrpSpPr>
@@ -13182,7 +13240,7 @@
       </p:grpSpPr>
       <p:sp>
         <p:nvSpPr>
-          <p:cNvPr id="295" name="Google Shape;295;p8"/>
+          <p:cNvPr id="296" name="Google Shape;296;p8"/>
           <p:cNvSpPr/>
           <p:nvPr/>
         </p:nvSpPr>
@@ -13968,7 +14026,7 @@
       </p:sp>
       <p:sp>
         <p:nvSpPr>
-          <p:cNvPr id="296" name="Google Shape;296;p8"/>
+          <p:cNvPr id="297" name="Google Shape;297;p8"/>
           <p:cNvSpPr/>
           <p:nvPr/>
         </p:nvSpPr>
@@ -14042,7 +14100,7 @@
       </p:sp>
       <p:sp>
         <p:nvSpPr>
-          <p:cNvPr id="297" name="Google Shape;297;p8"/>
+          <p:cNvPr id="298" name="Google Shape;298;p8"/>
           <p:cNvSpPr/>
           <p:nvPr/>
         </p:nvSpPr>
@@ -14092,7 +14150,7 @@
       </p:sp>
       <p:sp>
         <p:nvSpPr>
-          <p:cNvPr id="298" name="Google Shape;298;p8"/>
+          <p:cNvPr id="299" name="Google Shape;299;p8"/>
           <p:cNvSpPr/>
           <p:nvPr/>
         </p:nvSpPr>
@@ -14250,7 +14308,7 @@
       </p:sp>
       <p:pic>
         <p:nvPicPr>
-          <p:cNvPr id="299" name="Google Shape;299;p8"/>
+          <p:cNvPr id="300" name="Google Shape;300;p8"/>
           <p:cNvPicPr preferRelativeResize="0"/>
           <p:nvPr/>
         </p:nvPicPr>
@@ -14278,7 +14336,7 @@
       </p:pic>
       <p:grpSp>
         <p:nvGrpSpPr>
-          <p:cNvPr id="300" name="Google Shape;300;p8"/>
+          <p:cNvPr id="301" name="Google Shape;301;p8"/>
           <p:cNvGrpSpPr/>
           <p:nvPr/>
         </p:nvGrpSpPr>
@@ -14292,7 +14350,7 @@
         </p:grpSpPr>
         <p:sp>
           <p:nvSpPr>
-            <p:cNvPr id="301" name="Google Shape;301;p8"/>
+            <p:cNvPr id="302" name="Google Shape;302;p8"/>
             <p:cNvSpPr/>
             <p:nvPr/>
           </p:nvSpPr>
@@ -14346,7 +14404,7 @@
         </p:sp>
         <p:sp>
           <p:nvSpPr>
-            <p:cNvPr id="302" name="Google Shape;302;p8"/>
+            <p:cNvPr id="303" name="Google Shape;303;p8"/>
             <p:cNvSpPr/>
             <p:nvPr/>
           </p:nvSpPr>
@@ -14401,7 +14459,7 @@
       </p:grpSp>
       <p:sp>
         <p:nvSpPr>
-          <p:cNvPr id="303" name="Google Shape;303;p8"/>
+          <p:cNvPr id="304" name="Google Shape;304;p8"/>
           <p:cNvSpPr txBox="1"/>
           <p:nvPr/>
         </p:nvSpPr>
@@ -14474,7 +14532,7 @@
   <p:cSld>
     <p:spTree>
       <p:nvGrpSpPr>
-        <p:cNvPr id="307" name="Shape 307"/>
+        <p:cNvPr id="308" name="Shape 308"/>
         <p:cNvGrpSpPr/>
         <p:nvPr/>
       </p:nvGrpSpPr>
@@ -14488,7 +14546,7 @@
       </p:grpSpPr>
       <p:sp>
         <p:nvSpPr>
-          <p:cNvPr id="308" name="Google Shape;308;ge12b0d960b_13_13"/>
+          <p:cNvPr id="309" name="Google Shape;309;ge12b0d960b_13_13"/>
           <p:cNvSpPr/>
           <p:nvPr/>
         </p:nvSpPr>
@@ -14562,7 +14620,7 @@
       </p:sp>
       <p:sp>
         <p:nvSpPr>
-          <p:cNvPr id="309" name="Google Shape;309;ge12b0d960b_13_13"/>
+          <p:cNvPr id="310" name="Google Shape;310;ge12b0d960b_13_13"/>
           <p:cNvSpPr/>
           <p:nvPr/>
         </p:nvSpPr>
@@ -14612,7 +14670,7 @@
       </p:sp>
       <p:sp>
         <p:nvSpPr>
-          <p:cNvPr id="310" name="Google Shape;310;ge12b0d960b_13_13"/>
+          <p:cNvPr id="311" name="Google Shape;311;ge12b0d960b_13_13"/>
           <p:cNvSpPr/>
           <p:nvPr/>
         </p:nvSpPr>
@@ -14694,7 +14752,7 @@
       </p:sp>
       <p:pic>
         <p:nvPicPr>
-          <p:cNvPr id="311" name="Google Shape;311;ge12b0d960b_13_13"/>
+          <p:cNvPr id="312" name="Google Shape;312;ge12b0d960b_13_13"/>
           <p:cNvPicPr preferRelativeResize="0"/>
           <p:nvPr/>
         </p:nvPicPr>
@@ -14729,7 +14787,7 @@
       </p:pic>
       <p:grpSp>
         <p:nvGrpSpPr>
-          <p:cNvPr id="312" name="Google Shape;312;ge12b0d960b_13_13"/>
+          <p:cNvPr id="313" name="Google Shape;313;ge12b0d960b_13_13"/>
           <p:cNvGrpSpPr/>
           <p:nvPr/>
         </p:nvGrpSpPr>
@@ -14743,7 +14801,7 @@
         </p:grpSpPr>
         <p:sp>
           <p:nvSpPr>
-            <p:cNvPr id="313" name="Google Shape;313;ge12b0d960b_13_13"/>
+            <p:cNvPr id="314" name="Google Shape;314;ge12b0d960b_13_13"/>
             <p:cNvSpPr/>
             <p:nvPr/>
           </p:nvSpPr>
@@ -14797,7 +14855,7 @@
         </p:sp>
         <p:sp>
           <p:nvSpPr>
-            <p:cNvPr id="314" name="Google Shape;314;ge12b0d960b_13_13"/>
+            <p:cNvPr id="315" name="Google Shape;315;ge12b0d960b_13_13"/>
             <p:cNvSpPr/>
             <p:nvPr/>
           </p:nvSpPr>
@@ -14852,7 +14910,7 @@
       </p:grpSp>
       <p:sp>
         <p:nvSpPr>
-          <p:cNvPr id="315" name="Google Shape;315;ge12b0d960b_13_13"/>
+          <p:cNvPr id="316" name="Google Shape;316;ge12b0d960b_13_13"/>
           <p:cNvSpPr txBox="1"/>
           <p:nvPr/>
         </p:nvSpPr>
@@ -14925,7 +14983,7 @@
   <p:cSld>
     <p:spTree>
       <p:nvGrpSpPr>
-        <p:cNvPr id="319" name="Shape 319"/>
+        <p:cNvPr id="320" name="Shape 320"/>
         <p:cNvGrpSpPr/>
         <p:nvPr/>
       </p:nvGrpSpPr>
@@ -14939,7 +14997,7 @@
       </p:grpSpPr>
       <p:sp>
         <p:nvSpPr>
-          <p:cNvPr id="320" name="Google Shape;320;p13"/>
+          <p:cNvPr id="321" name="Google Shape;321;p13"/>
           <p:cNvSpPr/>
           <p:nvPr/>
         </p:nvSpPr>
@@ -16726,7 +16784,7 @@
       </p:sp>
       <p:pic>
         <p:nvPicPr>
-          <p:cNvPr descr="A picture containing sky, outdoor&#10;&#10;Description automatically generated" id="321" name="Google Shape;321;p13"/>
+          <p:cNvPr descr="A picture containing sky, outdoor&#10;&#10;Description automatically generated" id="322" name="Google Shape;322;p13"/>
           <p:cNvPicPr preferRelativeResize="0"/>
           <p:nvPr>
             <p:ph idx="2" type="pic"/>
@@ -16762,7 +16820,7 @@
       </p:pic>
       <p:sp>
         <p:nvSpPr>
-          <p:cNvPr id="322" name="Google Shape;322;p13"/>
+          <p:cNvPr id="323" name="Google Shape;323;p13"/>
           <p:cNvSpPr/>
           <p:nvPr/>
         </p:nvSpPr>
@@ -18452,7 +18510,7 @@
       </p:sp>
       <p:sp>
         <p:nvSpPr>
-          <p:cNvPr id="323" name="Google Shape;323;p13"/>
+          <p:cNvPr id="324" name="Google Shape;324;p13"/>
           <p:cNvSpPr/>
           <p:nvPr/>
         </p:nvSpPr>
@@ -18513,7 +18571,7 @@
   <p:cSld>
     <p:spTree>
       <p:nvGrpSpPr>
-        <p:cNvPr id="53" name="Shape 53"/>
+        <p:cNvPr id="54" name="Shape 54"/>
         <p:cNvGrpSpPr/>
         <p:nvPr/>
       </p:nvGrpSpPr>
@@ -18527,7 +18585,7 @@
       </p:grpSpPr>
       <p:pic>
         <p:nvPicPr>
-          <p:cNvPr descr="A picture containing valley, canyon, nature, mountain&#10;&#10;Description automatically generated" id="54" name="Google Shape;54;p4"/>
+          <p:cNvPr descr="A picture containing valley, canyon, nature, mountain&#10;&#10;Description automatically generated" id="55" name="Google Shape;55;p4"/>
           <p:cNvPicPr preferRelativeResize="0"/>
           <p:nvPr>
             <p:ph idx="2" type="pic"/>
@@ -18556,7 +18614,7 @@
       </p:pic>
       <p:sp>
         <p:nvSpPr>
-          <p:cNvPr id="55" name="Google Shape;55;p4"/>
+          <p:cNvPr id="56" name="Google Shape;56;p4"/>
           <p:cNvSpPr/>
           <p:nvPr/>
         </p:nvSpPr>
@@ -18971,7 +19029,7 @@
       </p:sp>
       <p:sp>
         <p:nvSpPr>
-          <p:cNvPr id="56" name="Google Shape;56;p4"/>
+          <p:cNvPr id="57" name="Google Shape;57;p4"/>
           <p:cNvSpPr/>
           <p:nvPr/>
         </p:nvSpPr>
@@ -19021,7 +19079,7 @@
       </p:sp>
       <p:sp>
         <p:nvSpPr>
-          <p:cNvPr id="57" name="Google Shape;57;p4"/>
+          <p:cNvPr id="58" name="Google Shape;58;p4"/>
           <p:cNvSpPr/>
           <p:nvPr/>
         </p:nvSpPr>
@@ -19074,7 +19132,7 @@
       </p:sp>
       <p:pic>
         <p:nvPicPr>
-          <p:cNvPr id="58" name="Google Shape;58;p4"/>
+          <p:cNvPr id="59" name="Google Shape;59;p4"/>
           <p:cNvPicPr preferRelativeResize="0"/>
           <p:nvPr/>
         </p:nvPicPr>
@@ -19101,7 +19159,7 @@
       </p:pic>
       <p:pic>
         <p:nvPicPr>
-          <p:cNvPr id="59" name="Google Shape;59;p4"/>
+          <p:cNvPr id="60" name="Google Shape;60;p4"/>
           <p:cNvPicPr preferRelativeResize="0"/>
           <p:nvPr/>
         </p:nvPicPr>
@@ -19128,7 +19186,7 @@
       </p:pic>
       <p:sp>
         <p:nvSpPr>
-          <p:cNvPr id="60" name="Google Shape;60;p4"/>
+          <p:cNvPr id="61" name="Google Shape;61;p4"/>
           <p:cNvSpPr/>
           <p:nvPr/>
         </p:nvSpPr>
@@ -19183,7 +19241,7 @@
       </p:sp>
       <p:sp>
         <p:nvSpPr>
-          <p:cNvPr id="61" name="Google Shape;61;p4"/>
+          <p:cNvPr id="62" name="Google Shape;62;p4"/>
           <p:cNvSpPr/>
           <p:nvPr/>
         </p:nvSpPr>
@@ -19238,7 +19296,7 @@
       </p:sp>
       <p:sp>
         <p:nvSpPr>
-          <p:cNvPr id="62" name="Google Shape;62;p4"/>
+          <p:cNvPr id="63" name="Google Shape;63;p4"/>
           <p:cNvSpPr/>
           <p:nvPr/>
         </p:nvSpPr>
@@ -19293,7 +19351,7 @@
       </p:sp>
       <p:sp>
         <p:nvSpPr>
-          <p:cNvPr id="63" name="Google Shape;63;p4"/>
+          <p:cNvPr id="64" name="Google Shape;64;p4"/>
           <p:cNvSpPr txBox="1"/>
           <p:nvPr/>
         </p:nvSpPr>
@@ -19351,7 +19409,7 @@
       </p:sp>
       <p:sp>
         <p:nvSpPr>
-          <p:cNvPr id="64" name="Google Shape;64;p4"/>
+          <p:cNvPr id="65" name="Google Shape;65;p4"/>
           <p:cNvSpPr txBox="1"/>
           <p:nvPr/>
         </p:nvSpPr>
@@ -19409,7 +19467,7 @@
       </p:sp>
       <p:sp>
         <p:nvSpPr>
-          <p:cNvPr id="65" name="Google Shape;65;p4"/>
+          <p:cNvPr id="66" name="Google Shape;66;p4"/>
           <p:cNvSpPr txBox="1"/>
           <p:nvPr/>
         </p:nvSpPr>
@@ -19467,7 +19525,7 @@
       </p:sp>
       <p:sp>
         <p:nvSpPr>
-          <p:cNvPr id="66" name="Google Shape;66;p4"/>
+          <p:cNvPr id="67" name="Google Shape;67;p4"/>
           <p:cNvSpPr txBox="1"/>
           <p:nvPr/>
         </p:nvSpPr>
@@ -19525,7 +19583,7 @@
       </p:sp>
       <p:sp>
         <p:nvSpPr>
-          <p:cNvPr id="67" name="Google Shape;67;p4"/>
+          <p:cNvPr id="68" name="Google Shape;68;p4"/>
           <p:cNvSpPr txBox="1"/>
           <p:nvPr/>
         </p:nvSpPr>
@@ -19583,7 +19641,7 @@
       </p:sp>
       <p:sp>
         <p:nvSpPr>
-          <p:cNvPr id="68" name="Google Shape;68;p4"/>
+          <p:cNvPr id="69" name="Google Shape;69;p4"/>
           <p:cNvSpPr txBox="1"/>
           <p:nvPr/>
         </p:nvSpPr>
@@ -19641,7 +19699,7 @@
       </p:sp>
       <p:sp>
         <p:nvSpPr>
-          <p:cNvPr id="69" name="Google Shape;69;p4"/>
+          <p:cNvPr id="70" name="Google Shape;70;p4"/>
           <p:cNvSpPr/>
           <p:nvPr/>
         </p:nvSpPr>
@@ -19696,7 +19754,7 @@
       </p:sp>
       <p:sp>
         <p:nvSpPr>
-          <p:cNvPr id="70" name="Google Shape;70;p4"/>
+          <p:cNvPr id="71" name="Google Shape;71;p4"/>
           <p:cNvSpPr txBox="1"/>
           <p:nvPr/>
         </p:nvSpPr>
@@ -19754,7 +19812,7 @@
       </p:sp>
       <p:sp>
         <p:nvSpPr>
-          <p:cNvPr id="71" name="Google Shape;71;p4"/>
+          <p:cNvPr id="72" name="Google Shape;72;p4"/>
           <p:cNvSpPr txBox="1"/>
           <p:nvPr/>
         </p:nvSpPr>
@@ -19812,7 +19870,7 @@
       </p:sp>
       <p:grpSp>
         <p:nvGrpSpPr>
-          <p:cNvPr id="72" name="Google Shape;72;p4"/>
+          <p:cNvPr id="73" name="Google Shape;73;p4"/>
           <p:cNvGrpSpPr/>
           <p:nvPr/>
         </p:nvGrpSpPr>
@@ -19826,7 +19884,7 @@
         </p:grpSpPr>
         <p:sp>
           <p:nvSpPr>
-            <p:cNvPr id="73" name="Google Shape;73;p4"/>
+            <p:cNvPr id="74" name="Google Shape;74;p4"/>
             <p:cNvSpPr/>
             <p:nvPr/>
           </p:nvSpPr>
@@ -19880,7 +19938,7 @@
         </p:sp>
         <p:sp>
           <p:nvSpPr>
-            <p:cNvPr id="74" name="Google Shape;74;p4"/>
+            <p:cNvPr id="75" name="Google Shape;75;p4"/>
             <p:cNvSpPr/>
             <p:nvPr/>
           </p:nvSpPr>
@@ -19935,7 +19993,7 @@
       </p:grpSp>
       <p:sp>
         <p:nvSpPr>
-          <p:cNvPr id="75" name="Google Shape;75;p4"/>
+          <p:cNvPr id="76" name="Google Shape;76;p4"/>
           <p:cNvSpPr txBox="1"/>
           <p:nvPr/>
         </p:nvSpPr>
@@ -19997,7 +20055,7 @@
       </p:sp>
       <p:sp>
         <p:nvSpPr>
-          <p:cNvPr id="76" name="Google Shape;76;p4"/>
+          <p:cNvPr id="77" name="Google Shape;77;p4"/>
           <p:cNvSpPr/>
           <p:nvPr/>
         </p:nvSpPr>
@@ -20052,7 +20110,7 @@
       </p:sp>
       <p:sp>
         <p:nvSpPr>
-          <p:cNvPr id="77" name="Google Shape;77;p4"/>
+          <p:cNvPr id="78" name="Google Shape;78;p4"/>
           <p:cNvSpPr txBox="1"/>
           <p:nvPr/>
         </p:nvSpPr>
@@ -20110,7 +20168,7 @@
       </p:sp>
       <p:sp>
         <p:nvSpPr>
-          <p:cNvPr id="78" name="Google Shape;78;p4"/>
+          <p:cNvPr id="79" name="Google Shape;79;p4"/>
           <p:cNvSpPr txBox="1"/>
           <p:nvPr/>
         </p:nvSpPr>
@@ -20179,7 +20237,7 @@
   <p:cSld>
     <p:spTree>
       <p:nvGrpSpPr>
-        <p:cNvPr id="82" name="Shape 82"/>
+        <p:cNvPr id="83" name="Shape 83"/>
         <p:cNvGrpSpPr/>
         <p:nvPr/>
       </p:nvGrpSpPr>
@@ -20193,7 +20251,7 @@
       </p:grpSpPr>
       <p:pic>
         <p:nvPicPr>
-          <p:cNvPr id="83" name="Google Shape;83;p3"/>
+          <p:cNvPr id="84" name="Google Shape;84;p3"/>
           <p:cNvPicPr preferRelativeResize="0"/>
           <p:nvPr>
             <p:ph idx="2" type="pic"/>
@@ -20222,7 +20280,7 @@
       </p:pic>
       <p:grpSp>
         <p:nvGrpSpPr>
-          <p:cNvPr id="84" name="Google Shape;84;p3"/>
+          <p:cNvPr id="85" name="Google Shape;85;p3"/>
           <p:cNvGrpSpPr/>
           <p:nvPr/>
         </p:nvGrpSpPr>
@@ -20236,7 +20294,7 @@
         </p:grpSpPr>
         <p:sp>
           <p:nvSpPr>
-            <p:cNvPr id="85" name="Google Shape;85;p3"/>
+            <p:cNvPr id="86" name="Google Shape;86;p3"/>
             <p:cNvSpPr/>
             <p:nvPr/>
           </p:nvSpPr>
@@ -20290,7 +20348,7 @@
         </p:sp>
         <p:sp>
           <p:nvSpPr>
-            <p:cNvPr id="86" name="Google Shape;86;p3"/>
+            <p:cNvPr id="87" name="Google Shape;87;p3"/>
             <p:cNvSpPr/>
             <p:nvPr/>
           </p:nvSpPr>
@@ -20345,7 +20403,7 @@
       </p:grpSp>
       <p:sp>
         <p:nvSpPr>
-          <p:cNvPr id="87" name="Google Shape;87;p3"/>
+          <p:cNvPr id="88" name="Google Shape;88;p3"/>
           <p:cNvSpPr txBox="1"/>
           <p:nvPr/>
         </p:nvSpPr>
@@ -20407,7 +20465,7 @@
       </p:sp>
       <p:sp>
         <p:nvSpPr>
-          <p:cNvPr id="88" name="Google Shape;88;p3"/>
+          <p:cNvPr id="89" name="Google Shape;89;p3"/>
           <p:cNvSpPr/>
           <p:nvPr/>
         </p:nvSpPr>
@@ -22453,7 +22511,7 @@
       </p:sp>
       <p:grpSp>
         <p:nvGrpSpPr>
-          <p:cNvPr id="89" name="Google Shape;89;p3"/>
+          <p:cNvPr id="90" name="Google Shape;90;p3"/>
           <p:cNvGrpSpPr/>
           <p:nvPr/>
         </p:nvGrpSpPr>
@@ -22467,7 +22525,7 @@
         </p:grpSpPr>
         <p:sp>
           <p:nvSpPr>
-            <p:cNvPr id="90" name="Google Shape;90;p3"/>
+            <p:cNvPr id="91" name="Google Shape;91;p3"/>
             <p:cNvSpPr/>
             <p:nvPr/>
           </p:nvSpPr>
@@ -22517,7 +22575,7 @@
         </p:sp>
         <p:sp>
           <p:nvSpPr>
-            <p:cNvPr id="91" name="Google Shape;91;p3"/>
+            <p:cNvPr id="92" name="Google Shape;92;p3"/>
             <p:cNvSpPr/>
             <p:nvPr/>
           </p:nvSpPr>
@@ -22568,7 +22626,7 @@
       </p:grpSp>
       <p:sp>
         <p:nvSpPr>
-          <p:cNvPr id="92" name="Google Shape;92;p3"/>
+          <p:cNvPr id="93" name="Google Shape;93;p3"/>
           <p:cNvSpPr/>
           <p:nvPr/>
         </p:nvSpPr>
@@ -22623,7 +22681,7 @@
       </p:sp>
       <p:sp>
         <p:nvSpPr>
-          <p:cNvPr id="93" name="Google Shape;93;p3"/>
+          <p:cNvPr id="94" name="Google Shape;94;p3"/>
           <p:cNvSpPr/>
           <p:nvPr/>
         </p:nvSpPr>
@@ -22678,7 +22736,7 @@
       </p:sp>
       <p:sp>
         <p:nvSpPr>
-          <p:cNvPr id="94" name="Google Shape;94;p3"/>
+          <p:cNvPr id="95" name="Google Shape;95;p3"/>
           <p:cNvSpPr/>
           <p:nvPr/>
         </p:nvSpPr>
@@ -22733,7 +22791,7 @@
       </p:sp>
       <p:sp>
         <p:nvSpPr>
-          <p:cNvPr id="95" name="Google Shape;95;p3"/>
+          <p:cNvPr id="96" name="Google Shape;96;p3"/>
           <p:cNvSpPr/>
           <p:nvPr/>
         </p:nvSpPr>
@@ -22788,7 +22846,7 @@
       </p:sp>
       <p:sp>
         <p:nvSpPr>
-          <p:cNvPr id="96" name="Google Shape;96;p3"/>
+          <p:cNvPr id="97" name="Google Shape;97;p3"/>
           <p:cNvSpPr/>
           <p:nvPr/>
         </p:nvSpPr>
@@ -22843,7 +22901,7 @@
       </p:sp>
       <p:sp>
         <p:nvSpPr>
-          <p:cNvPr id="97" name="Google Shape;97;p3"/>
+          <p:cNvPr id="98" name="Google Shape;98;p3"/>
           <p:cNvSpPr txBox="1"/>
           <p:nvPr/>
         </p:nvSpPr>
@@ -22901,7 +22959,7 @@
       </p:sp>
       <p:sp>
         <p:nvSpPr>
-          <p:cNvPr id="98" name="Google Shape;98;p3"/>
+          <p:cNvPr id="99" name="Google Shape;99;p3"/>
           <p:cNvSpPr txBox="1"/>
           <p:nvPr/>
         </p:nvSpPr>
@@ -22959,7 +23017,7 @@
       </p:sp>
       <p:sp>
         <p:nvSpPr>
-          <p:cNvPr id="99" name="Google Shape;99;p3"/>
+          <p:cNvPr id="100" name="Google Shape;100;p3"/>
           <p:cNvSpPr txBox="1"/>
           <p:nvPr/>
         </p:nvSpPr>
@@ -23017,7 +23075,7 @@
       </p:sp>
       <p:sp>
         <p:nvSpPr>
-          <p:cNvPr id="100" name="Google Shape;100;p3"/>
+          <p:cNvPr id="101" name="Google Shape;101;p3"/>
           <p:cNvSpPr txBox="1"/>
           <p:nvPr/>
         </p:nvSpPr>
@@ -23075,7 +23133,7 @@
       </p:sp>
       <p:sp>
         <p:nvSpPr>
-          <p:cNvPr id="101" name="Google Shape;101;p3"/>
+          <p:cNvPr id="102" name="Google Shape;102;p3"/>
           <p:cNvSpPr txBox="1"/>
           <p:nvPr/>
         </p:nvSpPr>
@@ -23133,7 +23191,7 @@
       </p:sp>
       <p:sp>
         <p:nvSpPr>
-          <p:cNvPr id="102" name="Google Shape;102;p3"/>
+          <p:cNvPr id="103" name="Google Shape;103;p3"/>
           <p:cNvSpPr txBox="1"/>
           <p:nvPr/>
         </p:nvSpPr>
@@ -23196,7 +23254,7 @@
       </p:sp>
       <p:sp>
         <p:nvSpPr>
-          <p:cNvPr id="103" name="Google Shape;103;p3"/>
+          <p:cNvPr id="104" name="Google Shape;104;p3"/>
           <p:cNvSpPr txBox="1"/>
           <p:nvPr/>
         </p:nvSpPr>
@@ -23254,7 +23312,7 @@
       </p:sp>
       <p:sp>
         <p:nvSpPr>
-          <p:cNvPr id="104" name="Google Shape;104;p3"/>
+          <p:cNvPr id="105" name="Google Shape;105;p3"/>
           <p:cNvSpPr txBox="1"/>
           <p:nvPr/>
         </p:nvSpPr>
@@ -23317,7 +23375,7 @@
       </p:sp>
       <p:sp>
         <p:nvSpPr>
-          <p:cNvPr id="105" name="Google Shape;105;p3"/>
+          <p:cNvPr id="106" name="Google Shape;106;p3"/>
           <p:cNvSpPr txBox="1"/>
           <p:nvPr/>
         </p:nvSpPr>
@@ -23375,7 +23433,7 @@
       </p:sp>
       <p:sp>
         <p:nvSpPr>
-          <p:cNvPr id="106" name="Google Shape;106;p3"/>
+          <p:cNvPr id="107" name="Google Shape;107;p3"/>
           <p:cNvSpPr txBox="1"/>
           <p:nvPr/>
         </p:nvSpPr>
@@ -23444,7 +23502,7 @@
   <p:cSld>
     <p:spTree>
       <p:nvGrpSpPr>
-        <p:cNvPr id="111" name="Shape 111"/>
+        <p:cNvPr id="112" name="Shape 112"/>
         <p:cNvGrpSpPr/>
         <p:nvPr/>
       </p:nvGrpSpPr>
@@ -23458,7 +23516,7 @@
       </p:grpSpPr>
       <p:sp>
         <p:nvSpPr>
-          <p:cNvPr id="112" name="Google Shape;112;p9"/>
+          <p:cNvPr id="113" name="Google Shape;113;p9"/>
           <p:cNvSpPr/>
           <p:nvPr/>
         </p:nvSpPr>
@@ -23509,7 +23567,7 @@
       </p:sp>
       <p:sp>
         <p:nvSpPr>
-          <p:cNvPr id="113" name="Google Shape;113;p9"/>
+          <p:cNvPr id="114" name="Google Shape;114;p9"/>
           <p:cNvSpPr/>
           <p:nvPr/>
         </p:nvSpPr>
@@ -23569,7 +23627,7 @@
       </p:sp>
       <p:sp>
         <p:nvSpPr>
-          <p:cNvPr id="114" name="Google Shape;114;p9"/>
+          <p:cNvPr id="115" name="Google Shape;115;p9"/>
           <p:cNvSpPr/>
           <p:nvPr/>
         </p:nvSpPr>
@@ -23629,7 +23687,7 @@
       </p:sp>
       <p:sp>
         <p:nvSpPr>
-          <p:cNvPr id="115" name="Google Shape;115;p9"/>
+          <p:cNvPr id="116" name="Google Shape;116;p9"/>
           <p:cNvSpPr/>
           <p:nvPr/>
         </p:nvSpPr>
@@ -23689,7 +23747,7 @@
       </p:sp>
       <p:sp>
         <p:nvSpPr>
-          <p:cNvPr id="116" name="Google Shape;116;p9"/>
+          <p:cNvPr id="117" name="Google Shape;117;p9"/>
           <p:cNvSpPr txBox="1"/>
           <p:nvPr/>
         </p:nvSpPr>
@@ -23763,7 +23821,7 @@
       </p:sp>
       <p:sp>
         <p:nvSpPr>
-          <p:cNvPr id="117" name="Google Shape;117;p9"/>
+          <p:cNvPr id="118" name="Google Shape;118;p9"/>
           <p:cNvSpPr txBox="1"/>
           <p:nvPr/>
         </p:nvSpPr>
@@ -23825,7 +23883,7 @@
       </p:sp>
       <p:sp>
         <p:nvSpPr>
-          <p:cNvPr id="118" name="Google Shape;118;p9"/>
+          <p:cNvPr id="119" name="Google Shape;119;p9"/>
           <p:cNvSpPr txBox="1"/>
           <p:nvPr/>
         </p:nvSpPr>
@@ -23899,7 +23957,7 @@
       </p:sp>
       <p:sp>
         <p:nvSpPr>
-          <p:cNvPr id="119" name="Google Shape;119;p9"/>
+          <p:cNvPr id="120" name="Google Shape;120;p9"/>
           <p:cNvSpPr txBox="1"/>
           <p:nvPr/>
         </p:nvSpPr>
@@ -23973,7 +24031,7 @@
       </p:sp>
       <p:sp>
         <p:nvSpPr>
-          <p:cNvPr id="120" name="Google Shape;120;p9"/>
+          <p:cNvPr id="121" name="Google Shape;121;p9"/>
           <p:cNvSpPr txBox="1"/>
           <p:nvPr/>
         </p:nvSpPr>
@@ -24164,7 +24222,7 @@
       </p:sp>
       <p:sp>
         <p:nvSpPr>
-          <p:cNvPr id="121" name="Google Shape;121;p9"/>
+          <p:cNvPr id="122" name="Google Shape;122;p9"/>
           <p:cNvSpPr txBox="1"/>
           <p:nvPr/>
         </p:nvSpPr>
@@ -24355,7 +24413,7 @@
       </p:sp>
       <p:sp>
         <p:nvSpPr>
-          <p:cNvPr id="122" name="Google Shape;122;p9"/>
+          <p:cNvPr id="123" name="Google Shape;123;p9"/>
           <p:cNvSpPr txBox="1"/>
           <p:nvPr/>
         </p:nvSpPr>
@@ -24559,7 +24617,7 @@
       </p:sp>
       <p:grpSp>
         <p:nvGrpSpPr>
-          <p:cNvPr id="123" name="Google Shape;123;p9"/>
+          <p:cNvPr id="124" name="Google Shape;124;p9"/>
           <p:cNvGrpSpPr/>
           <p:nvPr/>
         </p:nvGrpSpPr>
@@ -24573,7 +24631,7 @@
         </p:grpSpPr>
         <p:sp>
           <p:nvSpPr>
-            <p:cNvPr id="124" name="Google Shape;124;p9"/>
+            <p:cNvPr id="125" name="Google Shape;125;p9"/>
             <p:cNvSpPr/>
             <p:nvPr/>
           </p:nvSpPr>
@@ -24627,7 +24685,7 @@
         </p:sp>
         <p:sp>
           <p:nvSpPr>
-            <p:cNvPr id="125" name="Google Shape;125;p9"/>
+            <p:cNvPr id="126" name="Google Shape;126;p9"/>
             <p:cNvSpPr/>
             <p:nvPr/>
           </p:nvSpPr>
@@ -24682,7 +24740,7 @@
       </p:grpSp>
       <p:sp>
         <p:nvSpPr>
-          <p:cNvPr id="126" name="Google Shape;126;p9"/>
+          <p:cNvPr id="127" name="Google Shape;127;p9"/>
           <p:cNvSpPr txBox="1"/>
           <p:nvPr/>
         </p:nvSpPr>
@@ -24755,7 +24813,7 @@
   <p:cSld>
     <p:spTree>
       <p:nvGrpSpPr>
-        <p:cNvPr id="130" name="Shape 130"/>
+        <p:cNvPr id="131" name="Shape 131"/>
         <p:cNvGrpSpPr/>
         <p:nvPr/>
       </p:nvGrpSpPr>
@@ -24769,7 +24827,7 @@
       </p:grpSpPr>
       <p:pic>
         <p:nvPicPr>
-          <p:cNvPr descr="A picture containing valley, canyon, nature, mountain&#10;&#10;Description automatically generated" id="131" name="Google Shape;131;ge12b0d960b_3_4"/>
+          <p:cNvPr descr="A picture containing valley, canyon, nature, mountain&#10;&#10;Description automatically generated" id="132" name="Google Shape;132;ge12b0d960b_3_4"/>
           <p:cNvPicPr preferRelativeResize="0"/>
           <p:nvPr>
             <p:ph idx="2" type="pic"/>
@@ -24798,7 +24856,7 @@
       </p:pic>
       <p:sp>
         <p:nvSpPr>
-          <p:cNvPr id="132" name="Google Shape;132;ge12b0d960b_3_4"/>
+          <p:cNvPr id="133" name="Google Shape;133;ge12b0d960b_3_4"/>
           <p:cNvSpPr/>
           <p:nvPr/>
         </p:nvSpPr>
@@ -24848,7 +24906,7 @@
       </p:sp>
       <p:pic>
         <p:nvPicPr>
-          <p:cNvPr id="133" name="Google Shape;133;ge12b0d960b_3_4"/>
+          <p:cNvPr id="134" name="Google Shape;134;ge12b0d960b_3_4"/>
           <p:cNvPicPr preferRelativeResize="0"/>
           <p:nvPr/>
         </p:nvPicPr>
@@ -24875,7 +24933,7 @@
       </p:pic>
       <p:grpSp>
         <p:nvGrpSpPr>
-          <p:cNvPr id="134" name="Google Shape;134;ge12b0d960b_3_4"/>
+          <p:cNvPr id="135" name="Google Shape;135;ge12b0d960b_3_4"/>
           <p:cNvGrpSpPr/>
           <p:nvPr/>
         </p:nvGrpSpPr>
@@ -24889,7 +24947,7 @@
         </p:grpSpPr>
         <p:sp>
           <p:nvSpPr>
-            <p:cNvPr id="135" name="Google Shape;135;ge12b0d960b_3_4"/>
+            <p:cNvPr id="136" name="Google Shape;136;ge12b0d960b_3_4"/>
             <p:cNvSpPr/>
             <p:nvPr/>
           </p:nvSpPr>
@@ -24943,7 +25001,7 @@
         </p:sp>
         <p:sp>
           <p:nvSpPr>
-            <p:cNvPr id="136" name="Google Shape;136;ge12b0d960b_3_4"/>
+            <p:cNvPr id="137" name="Google Shape;137;ge12b0d960b_3_4"/>
             <p:cNvSpPr/>
             <p:nvPr/>
           </p:nvSpPr>
@@ -24998,7 +25056,7 @@
       </p:grpSp>
       <p:sp>
         <p:nvSpPr>
-          <p:cNvPr id="137" name="Google Shape;137;ge12b0d960b_3_4"/>
+          <p:cNvPr id="138" name="Google Shape;138;ge12b0d960b_3_4"/>
           <p:cNvSpPr txBox="1"/>
           <p:nvPr/>
         </p:nvSpPr>
@@ -25060,7 +25118,7 @@
       </p:sp>
       <p:sp>
         <p:nvSpPr>
-          <p:cNvPr id="138" name="Google Shape;138;ge12b0d960b_3_4"/>
+          <p:cNvPr id="139" name="Google Shape;139;ge12b0d960b_3_4"/>
           <p:cNvSpPr/>
           <p:nvPr/>
         </p:nvSpPr>
@@ -25134,7 +25192,7 @@
       </p:sp>
       <p:sp>
         <p:nvSpPr>
-          <p:cNvPr id="139" name="Google Shape;139;ge12b0d960b_3_4"/>
+          <p:cNvPr id="140" name="Google Shape;140;ge12b0d960b_3_4"/>
           <p:cNvSpPr/>
           <p:nvPr/>
         </p:nvSpPr>
@@ -25184,7 +25242,7 @@
       </p:sp>
       <p:sp>
         <p:nvSpPr>
-          <p:cNvPr id="140" name="Google Shape;140;ge12b0d960b_3_4"/>
+          <p:cNvPr id="141" name="Google Shape;141;ge12b0d960b_3_4"/>
           <p:cNvSpPr/>
           <p:nvPr/>
         </p:nvSpPr>
@@ -25393,7 +25451,7 @@
   <p:cSld>
     <p:spTree>
       <p:nvGrpSpPr>
-        <p:cNvPr id="144" name="Shape 144"/>
+        <p:cNvPr id="145" name="Shape 145"/>
         <p:cNvGrpSpPr/>
         <p:nvPr/>
       </p:nvGrpSpPr>
@@ -25407,7 +25465,7 @@
       </p:grpSpPr>
       <p:sp>
         <p:nvSpPr>
-          <p:cNvPr id="145" name="Google Shape;145;ge12b0d960b_0_137"/>
+          <p:cNvPr id="146" name="Google Shape;146;ge12b0d960b_0_137"/>
           <p:cNvSpPr/>
           <p:nvPr/>
         </p:nvSpPr>
@@ -26193,7 +26251,7 @@
       </p:sp>
       <p:sp>
         <p:nvSpPr>
-          <p:cNvPr id="146" name="Google Shape;146;ge12b0d960b_0_137"/>
+          <p:cNvPr id="147" name="Google Shape;147;ge12b0d960b_0_137"/>
           <p:cNvSpPr/>
           <p:nvPr/>
         </p:nvSpPr>
@@ -26267,7 +26325,7 @@
       </p:sp>
       <p:sp>
         <p:nvSpPr>
-          <p:cNvPr id="147" name="Google Shape;147;ge12b0d960b_0_137"/>
+          <p:cNvPr id="148" name="Google Shape;148;ge12b0d960b_0_137"/>
           <p:cNvSpPr/>
           <p:nvPr/>
         </p:nvSpPr>
@@ -26317,7 +26375,7 @@
       </p:sp>
       <p:sp>
         <p:nvSpPr>
-          <p:cNvPr id="148" name="Google Shape;148;ge12b0d960b_0_137"/>
+          <p:cNvPr id="149" name="Google Shape;149;ge12b0d960b_0_137"/>
           <p:cNvSpPr/>
           <p:nvPr/>
         </p:nvSpPr>
@@ -26477,7 +26535,7 @@
       </p:sp>
       <p:pic>
         <p:nvPicPr>
-          <p:cNvPr id="149" name="Google Shape;149;ge12b0d960b_0_137"/>
+          <p:cNvPr id="150" name="Google Shape;150;ge12b0d960b_0_137"/>
           <p:cNvPicPr preferRelativeResize="0"/>
           <p:nvPr>
             <p:ph idx="2" type="pic"/>
@@ -26513,7 +26571,7 @@
       </p:pic>
       <p:pic>
         <p:nvPicPr>
-          <p:cNvPr id="150" name="Google Shape;150;ge12b0d960b_0_137"/>
+          <p:cNvPr id="151" name="Google Shape;151;ge12b0d960b_0_137"/>
           <p:cNvPicPr preferRelativeResize="0"/>
           <p:nvPr>
             <p:ph idx="2" type="pic"/>
@@ -26549,7 +26607,7 @@
       </p:pic>
       <p:grpSp>
         <p:nvGrpSpPr>
-          <p:cNvPr id="151" name="Google Shape;151;ge12b0d960b_0_137"/>
+          <p:cNvPr id="152" name="Google Shape;152;ge12b0d960b_0_137"/>
           <p:cNvGrpSpPr/>
           <p:nvPr/>
         </p:nvGrpSpPr>
@@ -26563,7 +26621,7 @@
         </p:grpSpPr>
         <p:sp>
           <p:nvSpPr>
-            <p:cNvPr id="152" name="Google Shape;152;ge12b0d960b_0_137"/>
+            <p:cNvPr id="153" name="Google Shape;153;ge12b0d960b_0_137"/>
             <p:cNvSpPr/>
             <p:nvPr/>
           </p:nvSpPr>
@@ -26617,7 +26675,7 @@
         </p:sp>
         <p:sp>
           <p:nvSpPr>
-            <p:cNvPr id="153" name="Google Shape;153;ge12b0d960b_0_137"/>
+            <p:cNvPr id="154" name="Google Shape;154;ge12b0d960b_0_137"/>
             <p:cNvSpPr/>
             <p:nvPr/>
           </p:nvSpPr>
@@ -26672,7 +26730,7 @@
       </p:grpSp>
       <p:sp>
         <p:nvSpPr>
-          <p:cNvPr id="154" name="Google Shape;154;ge12b0d960b_0_137"/>
+          <p:cNvPr id="155" name="Google Shape;155;ge12b0d960b_0_137"/>
           <p:cNvSpPr txBox="1"/>
           <p:nvPr/>
         </p:nvSpPr>
@@ -26734,7 +26792,7 @@
       </p:sp>
       <p:sp>
         <p:nvSpPr>
-          <p:cNvPr id="155" name="Google Shape;155;ge12b0d960b_0_137"/>
+          <p:cNvPr id="156" name="Google Shape;156;ge12b0d960b_0_137"/>
           <p:cNvSpPr/>
           <p:nvPr/>
         </p:nvSpPr>
@@ -26787,7 +26845,7 @@
       </p:sp>
       <p:sp>
         <p:nvSpPr>
-          <p:cNvPr id="156" name="Google Shape;156;ge12b0d960b_0_137"/>
+          <p:cNvPr id="157" name="Google Shape;157;ge12b0d960b_0_137"/>
           <p:cNvSpPr/>
           <p:nvPr/>
         </p:nvSpPr>
@@ -26851,7 +26909,7 @@
   <p:cSld>
     <p:spTree>
       <p:nvGrpSpPr>
-        <p:cNvPr id="160" name="Shape 160"/>
+        <p:cNvPr id="161" name="Shape 161"/>
         <p:cNvGrpSpPr/>
         <p:nvPr/>
       </p:nvGrpSpPr>
@@ -26865,7 +26923,7 @@
       </p:grpSpPr>
       <p:sp>
         <p:nvSpPr>
-          <p:cNvPr id="161" name="Google Shape;161;p5"/>
+          <p:cNvPr id="162" name="Google Shape;162;p5"/>
           <p:cNvSpPr/>
           <p:nvPr/>
         </p:nvSpPr>
@@ -28911,7 +28969,7 @@
       </p:sp>
       <p:sp>
         <p:nvSpPr>
-          <p:cNvPr id="162" name="Google Shape;162;p5"/>
+          <p:cNvPr id="163" name="Google Shape;163;p5"/>
           <p:cNvSpPr/>
           <p:nvPr/>
         </p:nvSpPr>
@@ -28989,7 +29047,7 @@
       </p:sp>
       <p:sp>
         <p:nvSpPr>
-          <p:cNvPr id="163" name="Google Shape;163;p5"/>
+          <p:cNvPr id="164" name="Google Shape;164;p5"/>
           <p:cNvSpPr/>
           <p:nvPr/>
         </p:nvSpPr>
@@ -29043,7 +29101,7 @@
       </p:sp>
       <p:sp>
         <p:nvSpPr>
-          <p:cNvPr id="164" name="Google Shape;164;p5"/>
+          <p:cNvPr id="165" name="Google Shape;165;p5"/>
           <p:cNvSpPr/>
           <p:nvPr/>
         </p:nvSpPr>
@@ -29263,7 +29321,7 @@
       </p:sp>
       <p:pic>
         <p:nvPicPr>
-          <p:cNvPr id="165" name="Google Shape;165;p5"/>
+          <p:cNvPr id="166" name="Google Shape;166;p5"/>
           <p:cNvPicPr preferRelativeResize="0"/>
           <p:nvPr>
             <p:ph idx="2" type="pic"/>
@@ -29299,7 +29357,7 @@
       </p:pic>
       <p:pic>
         <p:nvPicPr>
-          <p:cNvPr id="166" name="Google Shape;166;p5"/>
+          <p:cNvPr id="167" name="Google Shape;167;p5"/>
           <p:cNvPicPr preferRelativeResize="0"/>
           <p:nvPr>
             <p:ph idx="2" type="pic"/>
@@ -29335,7 +29393,7 @@
       </p:pic>
       <p:grpSp>
         <p:nvGrpSpPr>
-          <p:cNvPr id="167" name="Google Shape;167;p5"/>
+          <p:cNvPr id="168" name="Google Shape;168;p5"/>
           <p:cNvGrpSpPr/>
           <p:nvPr/>
         </p:nvGrpSpPr>
@@ -29349,7 +29407,7 @@
         </p:grpSpPr>
         <p:sp>
           <p:nvSpPr>
-            <p:cNvPr id="168" name="Google Shape;168;p5"/>
+            <p:cNvPr id="169" name="Google Shape;169;p5"/>
             <p:cNvSpPr/>
             <p:nvPr/>
           </p:nvSpPr>
@@ -29403,7 +29461,7 @@
         </p:sp>
         <p:sp>
           <p:nvSpPr>
-            <p:cNvPr id="169" name="Google Shape;169;p5"/>
+            <p:cNvPr id="170" name="Google Shape;170;p5"/>
             <p:cNvSpPr/>
             <p:nvPr/>
           </p:nvSpPr>
@@ -29458,7 +29516,7 @@
       </p:grpSp>
       <p:sp>
         <p:nvSpPr>
-          <p:cNvPr id="170" name="Google Shape;170;p5"/>
+          <p:cNvPr id="171" name="Google Shape;171;p5"/>
           <p:cNvSpPr txBox="1"/>
           <p:nvPr/>
         </p:nvSpPr>
@@ -29520,7 +29578,7 @@
       </p:sp>
       <p:sp>
         <p:nvSpPr>
-          <p:cNvPr id="171" name="Google Shape;171;p5"/>
+          <p:cNvPr id="172" name="Google Shape;172;p5"/>
           <p:cNvSpPr/>
           <p:nvPr/>
         </p:nvSpPr>
@@ -29573,7 +29631,7 @@
       </p:sp>
       <p:sp>
         <p:nvSpPr>
-          <p:cNvPr id="172" name="Google Shape;172;p5"/>
+          <p:cNvPr id="173" name="Google Shape;173;p5"/>
           <p:cNvSpPr/>
           <p:nvPr/>
         </p:nvSpPr>
@@ -29637,7 +29695,7 @@
   <p:cSld>
     <p:spTree>
       <p:nvGrpSpPr>
-        <p:cNvPr id="176" name="Shape 176"/>
+        <p:cNvPr id="177" name="Shape 177"/>
         <p:cNvGrpSpPr/>
         <p:nvPr/>
       </p:nvGrpSpPr>
@@ -29651,7 +29709,7 @@
       </p:grpSpPr>
       <p:sp>
         <p:nvSpPr>
-          <p:cNvPr id="177" name="Google Shape;177;ge12b0d960b_9_0"/>
+          <p:cNvPr id="178" name="Google Shape;178;ge12b0d960b_9_0"/>
           <p:cNvSpPr/>
           <p:nvPr/>
         </p:nvSpPr>
@@ -30066,7 +30124,7 @@
       </p:sp>
       <p:sp>
         <p:nvSpPr>
-          <p:cNvPr id="178" name="Google Shape;178;ge12b0d960b_9_0"/>
+          <p:cNvPr id="179" name="Google Shape;179;ge12b0d960b_9_0"/>
           <p:cNvSpPr/>
           <p:nvPr/>
         </p:nvSpPr>
@@ -30140,7 +30198,7 @@
       </p:sp>
       <p:sp>
         <p:nvSpPr>
-          <p:cNvPr id="179" name="Google Shape;179;ge12b0d960b_9_0"/>
+          <p:cNvPr id="180" name="Google Shape;180;ge12b0d960b_9_0"/>
           <p:cNvSpPr/>
           <p:nvPr/>
         </p:nvSpPr>
@@ -30190,7 +30248,7 @@
       </p:sp>
       <p:sp>
         <p:nvSpPr>
-          <p:cNvPr id="180" name="Google Shape;180;ge12b0d960b_9_0"/>
+          <p:cNvPr id="181" name="Google Shape;181;ge12b0d960b_9_0"/>
           <p:cNvSpPr/>
           <p:nvPr/>
         </p:nvSpPr>
@@ -30411,7 +30469,7 @@
       </p:sp>
       <p:pic>
         <p:nvPicPr>
-          <p:cNvPr id="181" name="Google Shape;181;ge12b0d960b_9_0"/>
+          <p:cNvPr id="182" name="Google Shape;182;ge12b0d960b_9_0"/>
           <p:cNvPicPr preferRelativeResize="0"/>
           <p:nvPr>
             <p:ph idx="2" type="pic"/>
@@ -30447,7 +30505,7 @@
       </p:pic>
       <p:grpSp>
         <p:nvGrpSpPr>
-          <p:cNvPr id="182" name="Google Shape;182;ge12b0d960b_9_0"/>
+          <p:cNvPr id="183" name="Google Shape;183;ge12b0d960b_9_0"/>
           <p:cNvGrpSpPr/>
           <p:nvPr/>
         </p:nvGrpSpPr>
@@ -30461,7 +30519,7 @@
         </p:grpSpPr>
         <p:sp>
           <p:nvSpPr>
-            <p:cNvPr id="183" name="Google Shape;183;ge12b0d960b_9_0"/>
+            <p:cNvPr id="184" name="Google Shape;184;ge12b0d960b_9_0"/>
             <p:cNvSpPr/>
             <p:nvPr/>
           </p:nvSpPr>
@@ -30515,7 +30573,7 @@
         </p:sp>
         <p:sp>
           <p:nvSpPr>
-            <p:cNvPr id="184" name="Google Shape;184;ge12b0d960b_9_0"/>
+            <p:cNvPr id="185" name="Google Shape;185;ge12b0d960b_9_0"/>
             <p:cNvSpPr/>
             <p:nvPr/>
           </p:nvSpPr>
@@ -30570,7 +30628,7 @@
       </p:grpSp>
       <p:sp>
         <p:nvSpPr>
-          <p:cNvPr id="185" name="Google Shape;185;ge12b0d960b_9_0"/>
+          <p:cNvPr id="186" name="Google Shape;186;ge12b0d960b_9_0"/>
           <p:cNvSpPr txBox="1"/>
           <p:nvPr/>
         </p:nvSpPr>
@@ -30632,7 +30690,7 @@
       </p:sp>
       <p:sp>
         <p:nvSpPr>
-          <p:cNvPr id="186" name="Google Shape;186;ge12b0d960b_9_0"/>
+          <p:cNvPr id="187" name="Google Shape;187;ge12b0d960b_9_0"/>
           <p:cNvSpPr/>
           <p:nvPr/>
         </p:nvSpPr>
@@ -30696,7 +30754,7 @@
   <p:cSld>
     <p:spTree>
       <p:nvGrpSpPr>
-        <p:cNvPr id="190" name="Shape 190"/>
+        <p:cNvPr id="191" name="Shape 191"/>
         <p:cNvGrpSpPr/>
         <p:nvPr/>
       </p:nvGrpSpPr>
@@ -30710,7 +30768,7 @@
       </p:grpSpPr>
       <p:sp>
         <p:nvSpPr>
-          <p:cNvPr id="191" name="Google Shape;191;ge12b0d960b_11_0"/>
+          <p:cNvPr id="192" name="Google Shape;192;ge12b0d960b_11_0"/>
           <p:cNvSpPr/>
           <p:nvPr/>
         </p:nvSpPr>
@@ -31496,7 +31554,7 @@
       </p:sp>
       <p:sp>
         <p:nvSpPr>
-          <p:cNvPr id="192" name="Google Shape;192;ge12b0d960b_11_0"/>
+          <p:cNvPr id="193" name="Google Shape;193;ge12b0d960b_11_0"/>
           <p:cNvSpPr/>
           <p:nvPr/>
         </p:nvSpPr>
@@ -31642,7 +31700,7 @@
       </p:sp>
       <p:grpSp>
         <p:nvGrpSpPr>
-          <p:cNvPr id="193" name="Google Shape;193;ge12b0d960b_11_0"/>
+          <p:cNvPr id="194" name="Google Shape;194;ge12b0d960b_11_0"/>
           <p:cNvGrpSpPr/>
           <p:nvPr/>
         </p:nvGrpSpPr>
@@ -31656,7 +31714,7 @@
         </p:grpSpPr>
         <p:sp>
           <p:nvSpPr>
-            <p:cNvPr id="194" name="Google Shape;194;ge12b0d960b_11_0"/>
+            <p:cNvPr id="195" name="Google Shape;195;ge12b0d960b_11_0"/>
             <p:cNvSpPr/>
             <p:nvPr/>
           </p:nvSpPr>
@@ -31710,7 +31768,7 @@
         </p:sp>
         <p:sp>
           <p:nvSpPr>
-            <p:cNvPr id="195" name="Google Shape;195;ge12b0d960b_11_0"/>
+            <p:cNvPr id="196" name="Google Shape;196;ge12b0d960b_11_0"/>
             <p:cNvSpPr/>
             <p:nvPr/>
           </p:nvSpPr>
@@ -31765,7 +31823,7 @@
       </p:grpSp>
       <p:sp>
         <p:nvSpPr>
-          <p:cNvPr id="196" name="Google Shape;196;ge12b0d960b_11_0"/>
+          <p:cNvPr id="197" name="Google Shape;197;ge12b0d960b_11_0"/>
           <p:cNvSpPr txBox="1"/>
           <p:nvPr/>
         </p:nvSpPr>
@@ -31827,7 +31885,7 @@
       </p:sp>
       <p:sp>
         <p:nvSpPr>
-          <p:cNvPr id="197" name="Google Shape;197;ge12b0d960b_11_0"/>
+          <p:cNvPr id="198" name="Google Shape;198;ge12b0d960b_11_0"/>
           <p:cNvSpPr/>
           <p:nvPr/>
         </p:nvSpPr>
@@ -31901,7 +31959,7 @@
       </p:sp>
       <p:sp>
         <p:nvSpPr>
-          <p:cNvPr id="198" name="Google Shape;198;ge12b0d960b_11_0"/>
+          <p:cNvPr id="199" name="Google Shape;199;ge12b0d960b_11_0"/>
           <p:cNvSpPr/>
           <p:nvPr/>
         </p:nvSpPr>
@@ -31951,7 +32009,7 @@
       </p:sp>
       <p:pic>
         <p:nvPicPr>
-          <p:cNvPr id="199" name="Google Shape;199;ge12b0d960b_11_0"/>
+          <p:cNvPr id="200" name="Google Shape;200;ge12b0d960b_11_0"/>
           <p:cNvPicPr preferRelativeResize="0"/>
           <p:nvPr/>
         </p:nvPicPr>
@@ -31986,7 +32044,7 @@
       </p:pic>
       <p:sp>
         <p:nvSpPr>
-          <p:cNvPr id="200" name="Google Shape;200;ge12b0d960b_11_0"/>
+          <p:cNvPr id="201" name="Google Shape;201;ge12b0d960b_11_0"/>
           <p:cNvSpPr/>
           <p:nvPr/>
         </p:nvSpPr>
